--- a/PPTs/ML.pptx
+++ b/PPTs/ML.pptx
@@ -4,11 +4,21 @@
   <p:sldMasterIdLst>
     <p:sldMasterId id="2147483648" r:id="rId1"/>
   </p:sldMasterIdLst>
+  <p:notesMasterIdLst>
+    <p:notesMasterId r:id="rId13"/>
+  </p:notesMasterIdLst>
   <p:sldIdLst>
     <p:sldId id="259" r:id="rId2"/>
-    <p:sldId id="256" r:id="rId3"/>
-    <p:sldId id="257" r:id="rId4"/>
-    <p:sldId id="258" r:id="rId5"/>
+    <p:sldId id="265" r:id="rId3"/>
+    <p:sldId id="266" r:id="rId4"/>
+    <p:sldId id="256" r:id="rId5"/>
+    <p:sldId id="257" r:id="rId6"/>
+    <p:sldId id="262" r:id="rId7"/>
+    <p:sldId id="260" r:id="rId8"/>
+    <p:sldId id="263" r:id="rId9"/>
+    <p:sldId id="264" r:id="rId10"/>
+    <p:sldId id="261" r:id="rId11"/>
+    <p:sldId id="258" r:id="rId12"/>
   </p:sldIdLst>
   <p:sldSz cx="12192000" cy="6858000"/>
   <p:notesSz cx="6858000" cy="9144000"/>
@@ -113,6 +123,464 @@
     </p:ext>
   </p:extLst>
 </p:presentation>
+</file>
+
+<file path=ppt/notesMasters/notesMaster1.xml><?xml version="1.0" encoding="utf-8"?>
+<p:notesMaster xmlns:a="http://schemas.openxmlformats.org/drawingml/2006/main" xmlns:r="http://schemas.openxmlformats.org/officeDocument/2006/relationships" xmlns:p="http://schemas.openxmlformats.org/presentationml/2006/main">
+  <p:cSld>
+    <p:bg>
+      <p:bgRef idx="1001">
+        <a:schemeClr val="bg1"/>
+      </p:bgRef>
+    </p:bg>
+    <p:spTree>
+      <p:nvGrpSpPr>
+        <p:cNvPr id="1" name=""/>
+        <p:cNvGrpSpPr/>
+        <p:nvPr/>
+      </p:nvGrpSpPr>
+      <p:grpSpPr>
+        <a:xfrm>
+          <a:off x="0" y="0"/>
+          <a:ext cx="0" cy="0"/>
+          <a:chOff x="0" y="0"/>
+          <a:chExt cx="0" cy="0"/>
+        </a:xfrm>
+      </p:grpSpPr>
+      <p:sp>
+        <p:nvSpPr>
+          <p:cNvPr id="2" name="Header Placeholder 1"/>
+          <p:cNvSpPr>
+            <a:spLocks noGrp="1"/>
+          </p:cNvSpPr>
+          <p:nvPr>
+            <p:ph type="hdr" sz="quarter"/>
+          </p:nvPr>
+        </p:nvSpPr>
+        <p:spPr>
+          <a:xfrm>
+            <a:off x="0" y="0"/>
+            <a:ext cx="2971800" cy="458788"/>
+          </a:xfrm>
+          <a:prstGeom prst="rect">
+            <a:avLst/>
+          </a:prstGeom>
+        </p:spPr>
+        <p:txBody>
+          <a:bodyPr vert="horz" lIns="91440" tIns="45720" rIns="91440" bIns="45720" rtlCol="0"/>
+          <a:lstStyle>
+            <a:lvl1pPr algn="l">
+              <a:defRPr sz="1200"/>
+            </a:lvl1pPr>
+          </a:lstStyle>
+          <a:p>
+            <a:endParaRPr lang="en-US"/>
+          </a:p>
+        </p:txBody>
+      </p:sp>
+      <p:sp>
+        <p:nvSpPr>
+          <p:cNvPr id="3" name="Date Placeholder 2"/>
+          <p:cNvSpPr>
+            <a:spLocks noGrp="1"/>
+          </p:cNvSpPr>
+          <p:nvPr>
+            <p:ph type="dt" idx="1"/>
+          </p:nvPr>
+        </p:nvSpPr>
+        <p:spPr>
+          <a:xfrm>
+            <a:off x="3884613" y="0"/>
+            <a:ext cx="2971800" cy="458788"/>
+          </a:xfrm>
+          <a:prstGeom prst="rect">
+            <a:avLst/>
+          </a:prstGeom>
+        </p:spPr>
+        <p:txBody>
+          <a:bodyPr vert="horz" lIns="91440" tIns="45720" rIns="91440" bIns="45720" rtlCol="0"/>
+          <a:lstStyle>
+            <a:lvl1pPr algn="r">
+              <a:defRPr sz="1200"/>
+            </a:lvl1pPr>
+          </a:lstStyle>
+          <a:p>
+            <a:fld id="{F16D588A-CA4C-4FE8-BC1F-28AA69A7BF69}" type="datetimeFigureOut">
+              <a:rPr lang="en-US" smtClean="0"/>
+              <a:t>6/21/2020</a:t>
+            </a:fld>
+            <a:endParaRPr lang="en-US"/>
+          </a:p>
+        </p:txBody>
+      </p:sp>
+      <p:sp>
+        <p:nvSpPr>
+          <p:cNvPr id="4" name="Slide Image Placeholder 3"/>
+          <p:cNvSpPr>
+            <a:spLocks noGrp="1" noRot="1" noChangeAspect="1"/>
+          </p:cNvSpPr>
+          <p:nvPr>
+            <p:ph type="sldImg" idx="2"/>
+          </p:nvPr>
+        </p:nvSpPr>
+        <p:spPr>
+          <a:xfrm>
+            <a:off x="685800" y="1143000"/>
+            <a:ext cx="5486400" cy="3086100"/>
+          </a:xfrm>
+          <a:prstGeom prst="rect">
+            <a:avLst/>
+          </a:prstGeom>
+          <a:noFill/>
+          <a:ln w="12700">
+            <a:solidFill>
+              <a:prstClr val="black"/>
+            </a:solidFill>
+          </a:ln>
+        </p:spPr>
+        <p:txBody>
+          <a:bodyPr vert="horz" lIns="91440" tIns="45720" rIns="91440" bIns="45720" rtlCol="0" anchor="ctr"/>
+          <a:lstStyle/>
+          <a:p>
+            <a:endParaRPr lang="en-US"/>
+          </a:p>
+        </p:txBody>
+      </p:sp>
+      <p:sp>
+        <p:nvSpPr>
+          <p:cNvPr id="5" name="Notes Placeholder 4"/>
+          <p:cNvSpPr>
+            <a:spLocks noGrp="1"/>
+          </p:cNvSpPr>
+          <p:nvPr>
+            <p:ph type="body" sz="quarter" idx="3"/>
+          </p:nvPr>
+        </p:nvSpPr>
+        <p:spPr>
+          <a:xfrm>
+            <a:off x="685800" y="4400550"/>
+            <a:ext cx="5486400" cy="3600450"/>
+          </a:xfrm>
+          <a:prstGeom prst="rect">
+            <a:avLst/>
+          </a:prstGeom>
+        </p:spPr>
+        <p:txBody>
+          <a:bodyPr vert="horz" lIns="91440" tIns="45720" rIns="91440" bIns="45720" rtlCol="0"/>
+          <a:lstStyle/>
+          <a:p>
+            <a:pPr lvl="0"/>
+            <a:r>
+              <a:rPr lang="en-US" smtClean="0"/>
+              <a:t>Click to edit Master text styles</a:t>
+            </a:r>
+          </a:p>
+          <a:p>
+            <a:pPr lvl="1"/>
+            <a:r>
+              <a:rPr lang="en-US" smtClean="0"/>
+              <a:t>Second level</a:t>
+            </a:r>
+          </a:p>
+          <a:p>
+            <a:pPr lvl="2"/>
+            <a:r>
+              <a:rPr lang="en-US" smtClean="0"/>
+              <a:t>Third level</a:t>
+            </a:r>
+          </a:p>
+          <a:p>
+            <a:pPr lvl="3"/>
+            <a:r>
+              <a:rPr lang="en-US" smtClean="0"/>
+              <a:t>Fourth level</a:t>
+            </a:r>
+          </a:p>
+          <a:p>
+            <a:pPr lvl="4"/>
+            <a:r>
+              <a:rPr lang="en-US" smtClean="0"/>
+              <a:t>Fifth level</a:t>
+            </a:r>
+            <a:endParaRPr lang="en-US"/>
+          </a:p>
+        </p:txBody>
+      </p:sp>
+      <p:sp>
+        <p:nvSpPr>
+          <p:cNvPr id="6" name="Footer Placeholder 5"/>
+          <p:cNvSpPr>
+            <a:spLocks noGrp="1"/>
+          </p:cNvSpPr>
+          <p:nvPr>
+            <p:ph type="ftr" sz="quarter" idx="4"/>
+          </p:nvPr>
+        </p:nvSpPr>
+        <p:spPr>
+          <a:xfrm>
+            <a:off x="0" y="8685213"/>
+            <a:ext cx="2971800" cy="458787"/>
+          </a:xfrm>
+          <a:prstGeom prst="rect">
+            <a:avLst/>
+          </a:prstGeom>
+        </p:spPr>
+        <p:txBody>
+          <a:bodyPr vert="horz" lIns="91440" tIns="45720" rIns="91440" bIns="45720" rtlCol="0" anchor="b"/>
+          <a:lstStyle>
+            <a:lvl1pPr algn="l">
+              <a:defRPr sz="1200"/>
+            </a:lvl1pPr>
+          </a:lstStyle>
+          <a:p>
+            <a:endParaRPr lang="en-US"/>
+          </a:p>
+        </p:txBody>
+      </p:sp>
+      <p:sp>
+        <p:nvSpPr>
+          <p:cNvPr id="7" name="Slide Number Placeholder 6"/>
+          <p:cNvSpPr>
+            <a:spLocks noGrp="1"/>
+          </p:cNvSpPr>
+          <p:nvPr>
+            <p:ph type="sldNum" sz="quarter" idx="5"/>
+          </p:nvPr>
+        </p:nvSpPr>
+        <p:spPr>
+          <a:xfrm>
+            <a:off x="3884613" y="8685213"/>
+            <a:ext cx="2971800" cy="458787"/>
+          </a:xfrm>
+          <a:prstGeom prst="rect">
+            <a:avLst/>
+          </a:prstGeom>
+        </p:spPr>
+        <p:txBody>
+          <a:bodyPr vert="horz" lIns="91440" tIns="45720" rIns="91440" bIns="45720" rtlCol="0" anchor="b"/>
+          <a:lstStyle>
+            <a:lvl1pPr algn="r">
+              <a:defRPr sz="1200"/>
+            </a:lvl1pPr>
+          </a:lstStyle>
+          <a:p>
+            <a:fld id="{DB924713-0F8E-48B2-8394-01C4CD6A04BB}" type="slidenum">
+              <a:rPr lang="en-US" smtClean="0"/>
+              <a:t>‹#›</a:t>
+            </a:fld>
+            <a:endParaRPr lang="en-US"/>
+          </a:p>
+        </p:txBody>
+      </p:sp>
+    </p:spTree>
+    <p:extLst>
+      <p:ext uri="{BB962C8B-B14F-4D97-AF65-F5344CB8AC3E}">
+        <p14:creationId xmlns:p14="http://schemas.microsoft.com/office/powerpoint/2010/main" val="1691905698"/>
+      </p:ext>
+    </p:extLst>
+  </p:cSld>
+  <p:clrMap bg1="lt1" tx1="dk1" bg2="lt2" tx2="dk2" accent1="accent1" accent2="accent2" accent3="accent3" accent4="accent4" accent5="accent5" accent6="accent6" hlink="hlink" folHlink="folHlink"/>
+  <p:notesStyle>
+    <a:lvl1pPr marL="0" algn="l" defTabSz="914400" rtl="0" eaLnBrk="1" latinLnBrk="0" hangingPunct="1">
+      <a:defRPr sz="1200" kern="1200">
+        <a:solidFill>
+          <a:schemeClr val="tx1"/>
+        </a:solidFill>
+        <a:latin typeface="+mn-lt"/>
+        <a:ea typeface="+mn-ea"/>
+        <a:cs typeface="+mn-cs"/>
+      </a:defRPr>
+    </a:lvl1pPr>
+    <a:lvl2pPr marL="457200" algn="l" defTabSz="914400" rtl="0" eaLnBrk="1" latinLnBrk="0" hangingPunct="1">
+      <a:defRPr sz="1200" kern="1200">
+        <a:solidFill>
+          <a:schemeClr val="tx1"/>
+        </a:solidFill>
+        <a:latin typeface="+mn-lt"/>
+        <a:ea typeface="+mn-ea"/>
+        <a:cs typeface="+mn-cs"/>
+      </a:defRPr>
+    </a:lvl2pPr>
+    <a:lvl3pPr marL="914400" algn="l" defTabSz="914400" rtl="0" eaLnBrk="1" latinLnBrk="0" hangingPunct="1">
+      <a:defRPr sz="1200" kern="1200">
+        <a:solidFill>
+          <a:schemeClr val="tx1"/>
+        </a:solidFill>
+        <a:latin typeface="+mn-lt"/>
+        <a:ea typeface="+mn-ea"/>
+        <a:cs typeface="+mn-cs"/>
+      </a:defRPr>
+    </a:lvl3pPr>
+    <a:lvl4pPr marL="1371600" algn="l" defTabSz="914400" rtl="0" eaLnBrk="1" latinLnBrk="0" hangingPunct="1">
+      <a:defRPr sz="1200" kern="1200">
+        <a:solidFill>
+          <a:schemeClr val="tx1"/>
+        </a:solidFill>
+        <a:latin typeface="+mn-lt"/>
+        <a:ea typeface="+mn-ea"/>
+        <a:cs typeface="+mn-cs"/>
+      </a:defRPr>
+    </a:lvl4pPr>
+    <a:lvl5pPr marL="1828800" algn="l" defTabSz="914400" rtl="0" eaLnBrk="1" latinLnBrk="0" hangingPunct="1">
+      <a:defRPr sz="1200" kern="1200">
+        <a:solidFill>
+          <a:schemeClr val="tx1"/>
+        </a:solidFill>
+        <a:latin typeface="+mn-lt"/>
+        <a:ea typeface="+mn-ea"/>
+        <a:cs typeface="+mn-cs"/>
+      </a:defRPr>
+    </a:lvl5pPr>
+    <a:lvl6pPr marL="2286000" algn="l" defTabSz="914400" rtl="0" eaLnBrk="1" latinLnBrk="0" hangingPunct="1">
+      <a:defRPr sz="1200" kern="1200">
+        <a:solidFill>
+          <a:schemeClr val="tx1"/>
+        </a:solidFill>
+        <a:latin typeface="+mn-lt"/>
+        <a:ea typeface="+mn-ea"/>
+        <a:cs typeface="+mn-cs"/>
+      </a:defRPr>
+    </a:lvl6pPr>
+    <a:lvl7pPr marL="2743200" algn="l" defTabSz="914400" rtl="0" eaLnBrk="1" latinLnBrk="0" hangingPunct="1">
+      <a:defRPr sz="1200" kern="1200">
+        <a:solidFill>
+          <a:schemeClr val="tx1"/>
+        </a:solidFill>
+        <a:latin typeface="+mn-lt"/>
+        <a:ea typeface="+mn-ea"/>
+        <a:cs typeface="+mn-cs"/>
+      </a:defRPr>
+    </a:lvl7pPr>
+    <a:lvl8pPr marL="3200400" algn="l" defTabSz="914400" rtl="0" eaLnBrk="1" latinLnBrk="0" hangingPunct="1">
+      <a:defRPr sz="1200" kern="1200">
+        <a:solidFill>
+          <a:schemeClr val="tx1"/>
+        </a:solidFill>
+        <a:latin typeface="+mn-lt"/>
+        <a:ea typeface="+mn-ea"/>
+        <a:cs typeface="+mn-cs"/>
+      </a:defRPr>
+    </a:lvl8pPr>
+    <a:lvl9pPr marL="3657600" algn="l" defTabSz="914400" rtl="0" eaLnBrk="1" latinLnBrk="0" hangingPunct="1">
+      <a:defRPr sz="1200" kern="1200">
+        <a:solidFill>
+          <a:schemeClr val="tx1"/>
+        </a:solidFill>
+        <a:latin typeface="+mn-lt"/>
+        <a:ea typeface="+mn-ea"/>
+        <a:cs typeface="+mn-cs"/>
+      </a:defRPr>
+    </a:lvl9pPr>
+  </p:notesStyle>
+</p:notesMaster>
+</file>
+
+<file path=ppt/notesSlides/notesSlide1.xml><?xml version="1.0" encoding="utf-8"?>
+<p:notes xmlns:a="http://schemas.openxmlformats.org/drawingml/2006/main" xmlns:r="http://schemas.openxmlformats.org/officeDocument/2006/relationships" xmlns:p="http://schemas.openxmlformats.org/presentationml/2006/main">
+  <p:cSld>
+    <p:spTree>
+      <p:nvGrpSpPr>
+        <p:cNvPr id="1" name=""/>
+        <p:cNvGrpSpPr/>
+        <p:nvPr/>
+      </p:nvGrpSpPr>
+      <p:grpSpPr>
+        <a:xfrm>
+          <a:off x="0" y="0"/>
+          <a:ext cx="0" cy="0"/>
+          <a:chOff x="0" y="0"/>
+          <a:chExt cx="0" cy="0"/>
+        </a:xfrm>
+      </p:grpSpPr>
+      <p:sp>
+        <p:nvSpPr>
+          <p:cNvPr id="2" name="Slide Image Placeholder 1"/>
+          <p:cNvSpPr>
+            <a:spLocks noGrp="1" noRot="1" noChangeAspect="1"/>
+          </p:cNvSpPr>
+          <p:nvPr>
+            <p:ph type="sldImg"/>
+          </p:nvPr>
+        </p:nvSpPr>
+        <p:spPr/>
+      </p:sp>
+      <p:sp>
+        <p:nvSpPr>
+          <p:cNvPr id="3" name="Notes Placeholder 2"/>
+          <p:cNvSpPr>
+            <a:spLocks noGrp="1"/>
+          </p:cNvSpPr>
+          <p:nvPr>
+            <p:ph type="body" idx="1"/>
+          </p:nvPr>
+        </p:nvSpPr>
+        <p:spPr/>
+        <p:txBody>
+          <a:bodyPr/>
+          <a:lstStyle/>
+          <a:p>
+            <a:r>
+              <a:rPr lang="en-US" dirty="0" smtClean="0"/>
+              <a:t>References:</a:t>
+            </a:r>
+          </a:p>
+          <a:p>
+            <a:r>
+              <a:rPr lang="en-US" dirty="0" smtClean="0">
+                <a:hlinkClick r:id="rId3"/>
+              </a:rPr>
+              <a:t>https://en.wikipedia.org/wiki/Minkowski_distance</a:t>
+            </a:r>
+            <a:endParaRPr lang="en-US" dirty="0" smtClean="0"/>
+          </a:p>
+          <a:p>
+            <a:endParaRPr lang="en-US" dirty="0" smtClean="0"/>
+          </a:p>
+          <a:p>
+            <a:r>
+              <a:rPr lang="en-US" dirty="0" smtClean="0">
+                <a:hlinkClick r:id="rId4"/>
+              </a:rPr>
+              <a:t>https://www.google.com/search?q=euclidean+distance+formula&amp;sxsrf=ALeKk034gv_J8YTFM_jN39ltfugmhqiIFQ:1592652614839&amp;source=lnms&amp;tbm=isch&amp;sa=X&amp;ved=2ahUKEwjbm-6qpZDqAhUROisKHc-3CV4Q_AUoAXoECBEQAw&amp;biw=1366&amp;bih=625</a:t>
+            </a:r>
+            <a:endParaRPr lang="en-US" dirty="0"/>
+          </a:p>
+        </p:txBody>
+      </p:sp>
+      <p:sp>
+        <p:nvSpPr>
+          <p:cNvPr id="4" name="Slide Number Placeholder 3"/>
+          <p:cNvSpPr>
+            <a:spLocks noGrp="1"/>
+          </p:cNvSpPr>
+          <p:nvPr>
+            <p:ph type="sldNum" sz="quarter" idx="10"/>
+          </p:nvPr>
+        </p:nvSpPr>
+        <p:spPr/>
+        <p:txBody>
+          <a:bodyPr/>
+          <a:lstStyle/>
+          <a:p>
+            <a:fld id="{DB924713-0F8E-48B2-8394-01C4CD6A04BB}" type="slidenum">
+              <a:rPr lang="en-US" smtClean="0"/>
+              <a:t>9</a:t>
+            </a:fld>
+            <a:endParaRPr lang="en-US"/>
+          </a:p>
+        </p:txBody>
+      </p:sp>
+    </p:spTree>
+    <p:extLst>
+      <p:ext uri="{BB962C8B-B14F-4D97-AF65-F5344CB8AC3E}">
+        <p14:creationId xmlns:p14="http://schemas.microsoft.com/office/powerpoint/2010/main" val="2321021803"/>
+      </p:ext>
+    </p:extLst>
+  </p:cSld>
+  <p:clrMapOvr>
+    <a:masterClrMapping/>
+  </p:clrMapOvr>
+</p:notes>
 </file>
 
 <file path=ppt/slideLayouts/slideLayout1.xml><?xml version="1.0" encoding="utf-8"?>
@@ -3065,786 +3533,9 @@
 </p:sld>
 </file>
 
-<file path=ppt/slides/slide2.xml><?xml version="1.0" encoding="utf-8"?>
+<file path=ppt/slides/slide10.xml><?xml version="1.0" encoding="utf-8"?>
 <p:sld xmlns:a="http://schemas.openxmlformats.org/drawingml/2006/main" xmlns:r="http://schemas.openxmlformats.org/officeDocument/2006/relationships" xmlns:p="http://schemas.openxmlformats.org/presentationml/2006/main">
   <p:cSld>
-    <p:bg>
-      <p:bgPr>
-        <a:gradFill>
-          <a:gsLst>
-            <a:gs pos="9768">
-              <a:srgbClr val="EEF5FB"/>
-            </a:gs>
-            <a:gs pos="0">
-              <a:schemeClr val="accent1">
-                <a:lumMod val="5000"/>
-                <a:lumOff val="95000"/>
-              </a:schemeClr>
-            </a:gs>
-            <a:gs pos="74000">
-              <a:schemeClr val="accent1">
-                <a:lumMod val="45000"/>
-                <a:lumOff val="55000"/>
-              </a:schemeClr>
-            </a:gs>
-            <a:gs pos="83000">
-              <a:schemeClr val="accent1">
-                <a:lumMod val="45000"/>
-                <a:lumOff val="55000"/>
-              </a:schemeClr>
-            </a:gs>
-            <a:gs pos="100000">
-              <a:schemeClr val="accent1">
-                <a:lumMod val="30000"/>
-                <a:lumOff val="70000"/>
-              </a:schemeClr>
-            </a:gs>
-          </a:gsLst>
-          <a:lin ang="5400000" scaled="1"/>
-        </a:gradFill>
-        <a:effectLst/>
-      </p:bgPr>
-    </p:bg>
-    <p:spTree>
-      <p:nvGrpSpPr>
-        <p:cNvPr id="1" name=""/>
-        <p:cNvGrpSpPr/>
-        <p:nvPr/>
-      </p:nvGrpSpPr>
-      <p:grpSpPr>
-        <a:xfrm>
-          <a:off x="0" y="0"/>
-          <a:ext cx="0" cy="0"/>
-          <a:chOff x="0" y="0"/>
-          <a:chExt cx="0" cy="0"/>
-        </a:xfrm>
-      </p:grpSpPr>
-      <p:sp>
-        <p:nvSpPr>
-          <p:cNvPr id="4" name="Rectangle 3"/>
-          <p:cNvSpPr/>
-          <p:nvPr/>
-        </p:nvSpPr>
-        <p:spPr>
-          <a:xfrm>
-            <a:off x="5422006" y="386366"/>
-            <a:ext cx="2421228" cy="592428"/>
-          </a:xfrm>
-          <a:prstGeom prst="rect">
-            <a:avLst/>
-          </a:prstGeom>
-        </p:spPr>
-        <p:style>
-          <a:lnRef idx="2">
-            <a:schemeClr val="accent1">
-              <a:shade val="50000"/>
-            </a:schemeClr>
-          </a:lnRef>
-          <a:fillRef idx="1">
-            <a:schemeClr val="accent1"/>
-          </a:fillRef>
-          <a:effectRef idx="0">
-            <a:schemeClr val="accent1"/>
-          </a:effectRef>
-          <a:fontRef idx="minor">
-            <a:schemeClr val="lt1"/>
-          </a:fontRef>
-        </p:style>
-        <p:txBody>
-          <a:bodyPr rtlCol="0" anchor="ctr"/>
-          <a:lstStyle/>
-          <a:p>
-            <a:pPr algn="ctr"/>
-            <a:r>
-              <a:rPr lang="en-US" dirty="0" smtClean="0"/>
-              <a:t>Machine Learning</a:t>
-            </a:r>
-            <a:endParaRPr lang="en-US" dirty="0"/>
-          </a:p>
-        </p:txBody>
-      </p:sp>
-      <p:sp>
-        <p:nvSpPr>
-          <p:cNvPr id="5" name="Rectangle 4"/>
-          <p:cNvSpPr/>
-          <p:nvPr/>
-        </p:nvSpPr>
-        <p:spPr>
-          <a:xfrm>
-            <a:off x="1903929" y="2102475"/>
-            <a:ext cx="2421228" cy="592428"/>
-          </a:xfrm>
-          <a:prstGeom prst="rect">
-            <a:avLst/>
-          </a:prstGeom>
-        </p:spPr>
-        <p:style>
-          <a:lnRef idx="2">
-            <a:schemeClr val="accent1">
-              <a:shade val="50000"/>
-            </a:schemeClr>
-          </a:lnRef>
-          <a:fillRef idx="1">
-            <a:schemeClr val="accent1"/>
-          </a:fillRef>
-          <a:effectRef idx="0">
-            <a:schemeClr val="accent1"/>
-          </a:effectRef>
-          <a:fontRef idx="minor">
-            <a:schemeClr val="lt1"/>
-          </a:fontRef>
-        </p:style>
-        <p:txBody>
-          <a:bodyPr rtlCol="0" anchor="ctr"/>
-          <a:lstStyle/>
-          <a:p>
-            <a:pPr algn="ctr"/>
-            <a:r>
-              <a:rPr lang="en-US" dirty="0" smtClean="0"/>
-              <a:t>Supervised ML	</a:t>
-            </a:r>
-            <a:endParaRPr lang="en-US" dirty="0"/>
-          </a:p>
-        </p:txBody>
-      </p:sp>
-      <p:sp>
-        <p:nvSpPr>
-          <p:cNvPr id="6" name="Rectangle 5"/>
-          <p:cNvSpPr/>
-          <p:nvPr/>
-        </p:nvSpPr>
-        <p:spPr>
-          <a:xfrm>
-            <a:off x="8889642" y="2031640"/>
-            <a:ext cx="2421228" cy="592428"/>
-          </a:xfrm>
-          <a:prstGeom prst="rect">
-            <a:avLst/>
-          </a:prstGeom>
-        </p:spPr>
-        <p:style>
-          <a:lnRef idx="2">
-            <a:schemeClr val="accent1">
-              <a:shade val="50000"/>
-            </a:schemeClr>
-          </a:lnRef>
-          <a:fillRef idx="1">
-            <a:schemeClr val="accent1"/>
-          </a:fillRef>
-          <a:effectRef idx="0">
-            <a:schemeClr val="accent1"/>
-          </a:effectRef>
-          <a:fontRef idx="minor">
-            <a:schemeClr val="lt1"/>
-          </a:fontRef>
-        </p:style>
-        <p:txBody>
-          <a:bodyPr rtlCol="0" anchor="ctr"/>
-          <a:lstStyle/>
-          <a:p>
-            <a:pPr algn="ctr"/>
-            <a:r>
-              <a:rPr lang="en-US" dirty="0" err="1" smtClean="0"/>
-              <a:t>UnSupervised</a:t>
-            </a:r>
-            <a:r>
-              <a:rPr lang="en-US" dirty="0" smtClean="0"/>
-              <a:t> ML	</a:t>
-            </a:r>
-            <a:endParaRPr lang="en-US" dirty="0"/>
-          </a:p>
-        </p:txBody>
-      </p:sp>
-      <p:sp>
-        <p:nvSpPr>
-          <p:cNvPr id="7" name="Rectangle 6"/>
-          <p:cNvSpPr/>
-          <p:nvPr/>
-        </p:nvSpPr>
-        <p:spPr>
-          <a:xfrm>
-            <a:off x="369195" y="3818584"/>
-            <a:ext cx="2421228" cy="2376153"/>
-          </a:xfrm>
-          <a:prstGeom prst="rect">
-            <a:avLst/>
-          </a:prstGeom>
-        </p:spPr>
-        <p:style>
-          <a:lnRef idx="2">
-            <a:schemeClr val="accent1">
-              <a:shade val="50000"/>
-            </a:schemeClr>
-          </a:lnRef>
-          <a:fillRef idx="1">
-            <a:schemeClr val="accent1"/>
-          </a:fillRef>
-          <a:effectRef idx="0">
-            <a:schemeClr val="accent1"/>
-          </a:effectRef>
-          <a:fontRef idx="minor">
-            <a:schemeClr val="lt1"/>
-          </a:fontRef>
-        </p:style>
-        <p:txBody>
-          <a:bodyPr rtlCol="0" anchor="ctr"/>
-          <a:lstStyle/>
-          <a:p>
-            <a:pPr algn="ctr"/>
-            <a:r>
-              <a:rPr lang="en-US" dirty="0" smtClean="0"/>
-              <a:t>Regression</a:t>
-            </a:r>
-          </a:p>
-          <a:p>
-            <a:pPr algn="ctr"/>
-            <a:endParaRPr lang="en-US" dirty="0"/>
-          </a:p>
-          <a:p>
-            <a:r>
-              <a:rPr lang="en-US" sz="1400" dirty="0" smtClean="0"/>
-              <a:t>Linear Regression</a:t>
-            </a:r>
-          </a:p>
-          <a:p>
-            <a:pPr marL="285750" indent="-285750">
-              <a:buFont typeface="Arial" panose="020B0604020202020204" pitchFamily="34" charset="0"/>
-              <a:buChar char="•"/>
-            </a:pPr>
-            <a:r>
-              <a:rPr lang="en-US" sz="1400" dirty="0" smtClean="0"/>
-              <a:t>OLS</a:t>
-            </a:r>
-          </a:p>
-          <a:p>
-            <a:pPr marL="285750" indent="-285750">
-              <a:buFont typeface="Arial" panose="020B0604020202020204" pitchFamily="34" charset="0"/>
-              <a:buChar char="•"/>
-            </a:pPr>
-            <a:r>
-              <a:rPr lang="en-US" sz="1400" dirty="0" smtClean="0"/>
-              <a:t>WLS</a:t>
-            </a:r>
-          </a:p>
-          <a:p>
-            <a:pPr marL="285750" indent="-285750">
-              <a:buFont typeface="Arial" panose="020B0604020202020204" pitchFamily="34" charset="0"/>
-              <a:buChar char="•"/>
-            </a:pPr>
-            <a:r>
-              <a:rPr lang="en-US" sz="1400" dirty="0" smtClean="0"/>
-              <a:t>GLS</a:t>
-            </a:r>
-          </a:p>
-          <a:p>
-            <a:endParaRPr lang="en-US" sz="1400" dirty="0" smtClean="0"/>
-          </a:p>
-          <a:p>
-            <a:r>
-              <a:rPr lang="en-US" sz="1400" dirty="0" smtClean="0"/>
-              <a:t>Ridge Regression</a:t>
-            </a:r>
-          </a:p>
-          <a:p>
-            <a:r>
-              <a:rPr lang="en-US" sz="1400" dirty="0" smtClean="0"/>
-              <a:t>Lasso Regression</a:t>
-            </a:r>
-          </a:p>
-          <a:p>
-            <a:pPr algn="ctr"/>
-            <a:r>
-              <a:rPr lang="en-US" dirty="0" smtClean="0"/>
-              <a:t>	</a:t>
-            </a:r>
-            <a:endParaRPr lang="en-US" dirty="0"/>
-          </a:p>
-        </p:txBody>
-      </p:sp>
-      <p:sp>
-        <p:nvSpPr>
-          <p:cNvPr id="8" name="Rectangle 7"/>
-          <p:cNvSpPr/>
-          <p:nvPr/>
-        </p:nvSpPr>
-        <p:spPr>
-          <a:xfrm>
-            <a:off x="3496616" y="3818585"/>
-            <a:ext cx="2421228" cy="2376152"/>
-          </a:xfrm>
-          <a:prstGeom prst="rect">
-            <a:avLst/>
-          </a:prstGeom>
-        </p:spPr>
-        <p:style>
-          <a:lnRef idx="2">
-            <a:schemeClr val="accent1">
-              <a:shade val="50000"/>
-            </a:schemeClr>
-          </a:lnRef>
-          <a:fillRef idx="1">
-            <a:schemeClr val="accent1"/>
-          </a:fillRef>
-          <a:effectRef idx="0">
-            <a:schemeClr val="accent1"/>
-          </a:effectRef>
-          <a:fontRef idx="minor">
-            <a:schemeClr val="lt1"/>
-          </a:fontRef>
-        </p:style>
-        <p:txBody>
-          <a:bodyPr rtlCol="0" anchor="ctr"/>
-          <a:lstStyle/>
-          <a:p>
-            <a:pPr algn="ctr"/>
-            <a:endParaRPr lang="en-US" sz="1400" dirty="0" smtClean="0"/>
-          </a:p>
-          <a:p>
-            <a:pPr algn="ctr"/>
-            <a:endParaRPr lang="en-US" sz="1400" dirty="0"/>
-          </a:p>
-          <a:p>
-            <a:pPr algn="ctr"/>
-            <a:endParaRPr lang="en-US" sz="1400" dirty="0" smtClean="0"/>
-          </a:p>
-          <a:p>
-            <a:pPr algn="ctr"/>
-            <a:endParaRPr lang="en-US" sz="1400" dirty="0"/>
-          </a:p>
-          <a:p>
-            <a:pPr algn="ctr"/>
-            <a:r>
-              <a:rPr lang="en-US" dirty="0" smtClean="0"/>
-              <a:t>Classification</a:t>
-            </a:r>
-          </a:p>
-          <a:p>
-            <a:r>
-              <a:rPr lang="en-US" sz="1400" dirty="0" smtClean="0"/>
-              <a:t>Logistic Regression</a:t>
-            </a:r>
-          </a:p>
-          <a:p>
-            <a:r>
-              <a:rPr lang="en-US" sz="1400" dirty="0" smtClean="0"/>
-              <a:t>KNN</a:t>
-            </a:r>
-          </a:p>
-          <a:p>
-            <a:r>
-              <a:rPr lang="en-US" sz="1400" dirty="0" smtClean="0"/>
-              <a:t>Naïve Bayes</a:t>
-            </a:r>
-          </a:p>
-          <a:p>
-            <a:r>
-              <a:rPr lang="en-US" sz="1400" dirty="0" smtClean="0"/>
-              <a:t>SVM</a:t>
-            </a:r>
-          </a:p>
-          <a:p>
-            <a:endParaRPr lang="en-US" sz="1400" dirty="0"/>
-          </a:p>
-          <a:p>
-            <a:r>
-              <a:rPr lang="en-US" sz="1400" dirty="0" smtClean="0"/>
-              <a:t>Decision Trees</a:t>
-            </a:r>
-          </a:p>
-          <a:p>
-            <a:r>
-              <a:rPr lang="en-US" sz="1400" dirty="0" smtClean="0"/>
-              <a:t>Ensemble models:</a:t>
-            </a:r>
-          </a:p>
-          <a:p>
-            <a:pPr marL="285750" indent="-285750">
-              <a:buFont typeface="Arial" panose="020B0604020202020204" pitchFamily="34" charset="0"/>
-              <a:buChar char="•"/>
-            </a:pPr>
-            <a:r>
-              <a:rPr lang="en-US" sz="1400" dirty="0" smtClean="0"/>
-              <a:t>Bagging</a:t>
-            </a:r>
-          </a:p>
-          <a:p>
-            <a:pPr marL="285750" indent="-285750">
-              <a:buFont typeface="Arial" panose="020B0604020202020204" pitchFamily="34" charset="0"/>
-              <a:buChar char="•"/>
-            </a:pPr>
-            <a:r>
-              <a:rPr lang="en-US" sz="1400" dirty="0" smtClean="0"/>
-              <a:t>Boosting</a:t>
-            </a:r>
-          </a:p>
-          <a:p>
-            <a:pPr algn="ctr"/>
-            <a:endParaRPr lang="en-US" sz="1400" dirty="0" smtClean="0"/>
-          </a:p>
-          <a:p>
-            <a:pPr algn="ctr"/>
-            <a:endParaRPr lang="en-US" sz="1400" dirty="0"/>
-          </a:p>
-          <a:p>
-            <a:pPr algn="ctr"/>
-            <a:endParaRPr lang="en-US" sz="1400" dirty="0" smtClean="0"/>
-          </a:p>
-          <a:p>
-            <a:pPr algn="ctr"/>
-            <a:endParaRPr lang="en-US" sz="1400" dirty="0"/>
-          </a:p>
-          <a:p>
-            <a:pPr algn="ctr"/>
-            <a:endParaRPr lang="en-US" sz="1400" dirty="0"/>
-          </a:p>
-        </p:txBody>
-      </p:sp>
-      <p:sp>
-        <p:nvSpPr>
-          <p:cNvPr id="10" name="Rectangle 9"/>
-          <p:cNvSpPr/>
-          <p:nvPr/>
-        </p:nvSpPr>
-        <p:spPr>
-          <a:xfrm>
-            <a:off x="8889642" y="3709116"/>
-            <a:ext cx="2421228" cy="2376152"/>
-          </a:xfrm>
-          <a:prstGeom prst="rect">
-            <a:avLst/>
-          </a:prstGeom>
-        </p:spPr>
-        <p:style>
-          <a:lnRef idx="2">
-            <a:schemeClr val="accent1">
-              <a:shade val="50000"/>
-            </a:schemeClr>
-          </a:lnRef>
-          <a:fillRef idx="1">
-            <a:schemeClr val="accent1"/>
-          </a:fillRef>
-          <a:effectRef idx="0">
-            <a:schemeClr val="accent1"/>
-          </a:effectRef>
-          <a:fontRef idx="minor">
-            <a:schemeClr val="lt1"/>
-          </a:fontRef>
-        </p:style>
-        <p:txBody>
-          <a:bodyPr rtlCol="0" anchor="ctr"/>
-          <a:lstStyle/>
-          <a:p>
-            <a:pPr algn="ctr"/>
-            <a:endParaRPr lang="en-US" sz="1400" dirty="0" smtClean="0"/>
-          </a:p>
-          <a:p>
-            <a:pPr algn="ctr"/>
-            <a:endParaRPr lang="en-US" sz="1400" dirty="0"/>
-          </a:p>
-          <a:p>
-            <a:pPr algn="ctr"/>
-            <a:endParaRPr lang="en-US" sz="1400" dirty="0" smtClean="0"/>
-          </a:p>
-          <a:p>
-            <a:pPr algn="ctr"/>
-            <a:endParaRPr lang="en-US" sz="1400" dirty="0"/>
-          </a:p>
-          <a:p>
-            <a:pPr algn="ctr"/>
-            <a:r>
-              <a:rPr lang="en-US" dirty="0" smtClean="0"/>
-              <a:t>Clustering</a:t>
-            </a:r>
-          </a:p>
-          <a:p>
-            <a:pPr algn="ctr"/>
-            <a:endParaRPr lang="en-US" dirty="0" smtClean="0"/>
-          </a:p>
-          <a:p>
-            <a:pPr algn="ctr"/>
-            <a:r>
-              <a:rPr lang="en-US" dirty="0"/>
-              <a:t>AR </a:t>
-            </a:r>
-            <a:r>
-              <a:rPr lang="en-US" dirty="0" smtClean="0"/>
-              <a:t>mining</a:t>
-            </a:r>
-          </a:p>
-          <a:p>
-            <a:pPr algn="ctr"/>
-            <a:r>
-              <a:rPr lang="en-US" dirty="0" smtClean="0"/>
-              <a:t>Market Basket Analysis</a:t>
-            </a:r>
-          </a:p>
-          <a:p>
-            <a:pPr algn="ctr"/>
-            <a:endParaRPr lang="en-US" dirty="0" smtClean="0"/>
-          </a:p>
-          <a:p>
-            <a:pPr algn="ctr"/>
-            <a:endParaRPr lang="en-US" dirty="0" smtClean="0"/>
-          </a:p>
-          <a:p>
-            <a:pPr algn="ctr"/>
-            <a:r>
-              <a:rPr lang="en-US" dirty="0" smtClean="0"/>
-              <a:t>Dimensionality Reduction</a:t>
-            </a:r>
-            <a:endParaRPr lang="en-US" dirty="0" smtClean="0"/>
-          </a:p>
-          <a:p>
-            <a:pPr algn="ctr"/>
-            <a:endParaRPr lang="en-US" sz="1400" dirty="0"/>
-          </a:p>
-          <a:p>
-            <a:pPr algn="ctr"/>
-            <a:endParaRPr lang="en-US" sz="1400" dirty="0" smtClean="0"/>
-          </a:p>
-          <a:p>
-            <a:pPr algn="ctr"/>
-            <a:endParaRPr lang="en-US" sz="1400" dirty="0"/>
-          </a:p>
-          <a:p>
-            <a:pPr algn="ctr"/>
-            <a:endParaRPr lang="en-US" sz="1400" dirty="0"/>
-          </a:p>
-        </p:txBody>
-      </p:sp>
-      <p:cxnSp>
-        <p:nvCxnSpPr>
-          <p:cNvPr id="3" name="Elbow Connector 2"/>
-          <p:cNvCxnSpPr>
-            <a:stCxn id="4" idx="1"/>
-            <a:endCxn id="5" idx="0"/>
-          </p:cNvCxnSpPr>
-          <p:nvPr/>
-        </p:nvCxnSpPr>
-        <p:spPr>
-          <a:xfrm rot="10800000" flipV="1">
-            <a:off x="3114544" y="682579"/>
-            <a:ext cx="2307463" cy="1419895"/>
-          </a:xfrm>
-          <a:prstGeom prst="bentConnector2">
-            <a:avLst/>
-          </a:prstGeom>
-          <a:ln>
-            <a:tailEnd type="triangle"/>
-          </a:ln>
-        </p:spPr>
-        <p:style>
-          <a:lnRef idx="1">
-            <a:schemeClr val="accent1"/>
-          </a:lnRef>
-          <a:fillRef idx="0">
-            <a:schemeClr val="accent1"/>
-          </a:fillRef>
-          <a:effectRef idx="0">
-            <a:schemeClr val="accent1"/>
-          </a:effectRef>
-          <a:fontRef idx="minor">
-            <a:schemeClr val="tx1"/>
-          </a:fontRef>
-        </p:style>
-      </p:cxnSp>
-      <p:cxnSp>
-        <p:nvCxnSpPr>
-          <p:cNvPr id="11" name="Elbow Connector 10"/>
-          <p:cNvCxnSpPr>
-            <a:stCxn id="4" idx="3"/>
-            <a:endCxn id="6" idx="0"/>
-          </p:cNvCxnSpPr>
-          <p:nvPr/>
-        </p:nvCxnSpPr>
-        <p:spPr>
-          <a:xfrm>
-            <a:off x="7843234" y="682580"/>
-            <a:ext cx="2257022" cy="1349060"/>
-          </a:xfrm>
-          <a:prstGeom prst="bentConnector2">
-            <a:avLst/>
-          </a:prstGeom>
-          <a:ln>
-            <a:tailEnd type="triangle"/>
-          </a:ln>
-        </p:spPr>
-        <p:style>
-          <a:lnRef idx="1">
-            <a:schemeClr val="accent1"/>
-          </a:lnRef>
-          <a:fillRef idx="0">
-            <a:schemeClr val="accent1"/>
-          </a:fillRef>
-          <a:effectRef idx="0">
-            <a:schemeClr val="accent1"/>
-          </a:effectRef>
-          <a:fontRef idx="minor">
-            <a:schemeClr val="tx1"/>
-          </a:fontRef>
-        </p:style>
-      </p:cxnSp>
-      <p:cxnSp>
-        <p:nvCxnSpPr>
-          <p:cNvPr id="13" name="Elbow Connector 12"/>
-          <p:cNvCxnSpPr>
-            <a:stCxn id="5" idx="2"/>
-            <a:endCxn id="7" idx="0"/>
-          </p:cNvCxnSpPr>
-          <p:nvPr/>
-        </p:nvCxnSpPr>
-        <p:spPr>
-          <a:xfrm rot="5400000">
-            <a:off x="1785336" y="2489376"/>
-            <a:ext cx="1123681" cy="1534734"/>
-          </a:xfrm>
-          <a:prstGeom prst="bentConnector3">
-            <a:avLst/>
-          </a:prstGeom>
-          <a:ln>
-            <a:tailEnd type="triangle"/>
-          </a:ln>
-        </p:spPr>
-        <p:style>
-          <a:lnRef idx="1">
-            <a:schemeClr val="accent1"/>
-          </a:lnRef>
-          <a:fillRef idx="0">
-            <a:schemeClr val="accent1"/>
-          </a:fillRef>
-          <a:effectRef idx="0">
-            <a:schemeClr val="accent1"/>
-          </a:effectRef>
-          <a:fontRef idx="minor">
-            <a:schemeClr val="tx1"/>
-          </a:fontRef>
-        </p:style>
-      </p:cxnSp>
-      <p:cxnSp>
-        <p:nvCxnSpPr>
-          <p:cNvPr id="15" name="Elbow Connector 14"/>
-          <p:cNvCxnSpPr>
-            <a:stCxn id="5" idx="2"/>
-            <a:endCxn id="8" idx="0"/>
-          </p:cNvCxnSpPr>
-          <p:nvPr/>
-        </p:nvCxnSpPr>
-        <p:spPr>
-          <a:xfrm rot="16200000" flipH="1">
-            <a:off x="3349045" y="2460400"/>
-            <a:ext cx="1123682" cy="1592687"/>
-          </a:xfrm>
-          <a:prstGeom prst="bentConnector3">
-            <a:avLst/>
-          </a:prstGeom>
-          <a:ln>
-            <a:tailEnd type="triangle"/>
-          </a:ln>
-        </p:spPr>
-        <p:style>
-          <a:lnRef idx="1">
-            <a:schemeClr val="accent1"/>
-          </a:lnRef>
-          <a:fillRef idx="0">
-            <a:schemeClr val="accent1"/>
-          </a:fillRef>
-          <a:effectRef idx="0">
-            <a:schemeClr val="accent1"/>
-          </a:effectRef>
-          <a:fontRef idx="minor">
-            <a:schemeClr val="tx1"/>
-          </a:fontRef>
-        </p:style>
-      </p:cxnSp>
-      <p:cxnSp>
-        <p:nvCxnSpPr>
-          <p:cNvPr id="17" name="Elbow Connector 16"/>
-          <p:cNvCxnSpPr>
-            <a:stCxn id="6" idx="2"/>
-            <a:endCxn id="10" idx="0"/>
-          </p:cNvCxnSpPr>
-          <p:nvPr/>
-        </p:nvCxnSpPr>
-        <p:spPr>
-          <a:xfrm rot="5400000">
-            <a:off x="9557732" y="3166592"/>
-            <a:ext cx="1085048" cy="12700"/>
-          </a:xfrm>
-          <a:prstGeom prst="bentConnector3">
-            <a:avLst/>
-          </a:prstGeom>
-          <a:ln>
-            <a:tailEnd type="triangle"/>
-          </a:ln>
-        </p:spPr>
-        <p:style>
-          <a:lnRef idx="1">
-            <a:schemeClr val="accent1"/>
-          </a:lnRef>
-          <a:fillRef idx="0">
-            <a:schemeClr val="accent1"/>
-          </a:fillRef>
-          <a:effectRef idx="0">
-            <a:schemeClr val="accent1"/>
-          </a:effectRef>
-          <a:fontRef idx="minor">
-            <a:schemeClr val="tx1"/>
-          </a:fontRef>
-        </p:style>
-      </p:cxnSp>
-    </p:spTree>
-    <p:extLst>
-      <p:ext uri="{BB962C8B-B14F-4D97-AF65-F5344CB8AC3E}">
-        <p14:creationId xmlns:p14="http://schemas.microsoft.com/office/powerpoint/2010/main" val="1588203572"/>
-      </p:ext>
-    </p:extLst>
-  </p:cSld>
-  <p:clrMapOvr>
-    <a:masterClrMapping/>
-  </p:clrMapOvr>
-</p:sld>
-</file>
-
-<file path=ppt/slides/slide3.xml><?xml version="1.0" encoding="utf-8"?>
-<p:sld xmlns:a="http://schemas.openxmlformats.org/drawingml/2006/main" xmlns:r="http://schemas.openxmlformats.org/officeDocument/2006/relationships" xmlns:p="http://schemas.openxmlformats.org/presentationml/2006/main">
-  <p:cSld>
-    <p:bg>
-      <p:bgPr>
-        <a:gradFill>
-          <a:gsLst>
-            <a:gs pos="9768">
-              <a:srgbClr val="EEF5FB"/>
-            </a:gs>
-            <a:gs pos="0">
-              <a:schemeClr val="accent1">
-                <a:lumMod val="5000"/>
-                <a:lumOff val="95000"/>
-              </a:schemeClr>
-            </a:gs>
-            <a:gs pos="74000">
-              <a:schemeClr val="accent1">
-                <a:lumMod val="45000"/>
-                <a:lumOff val="55000"/>
-              </a:schemeClr>
-            </a:gs>
-            <a:gs pos="83000">
-              <a:schemeClr val="accent1">
-                <a:lumMod val="45000"/>
-                <a:lumOff val="55000"/>
-              </a:schemeClr>
-            </a:gs>
-            <a:gs pos="100000">
-              <a:schemeClr val="accent1">
-                <a:lumMod val="30000"/>
-                <a:lumOff val="70000"/>
-              </a:schemeClr>
-            </a:gs>
-          </a:gsLst>
-          <a:lin ang="5400000" scaled="1"/>
-        </a:gradFill>
-        <a:effectLst/>
-      </p:bgPr>
-    </p:bg>
     <p:spTree>
       <p:nvGrpSpPr>
         <p:cNvPr id="1" name=""/>
@@ -3905,112 +3596,6 @@
       </p:sp>
       <p:sp>
         <p:nvSpPr>
-          <p:cNvPr id="5" name="Rectangle 4"/>
-          <p:cNvSpPr/>
-          <p:nvPr/>
-        </p:nvSpPr>
-        <p:spPr>
-          <a:xfrm>
-            <a:off x="1347989" y="2807591"/>
-            <a:ext cx="2421228" cy="2376153"/>
-          </a:xfrm>
-          <a:prstGeom prst="rect">
-            <a:avLst/>
-          </a:prstGeom>
-        </p:spPr>
-        <p:style>
-          <a:lnRef idx="2">
-            <a:schemeClr val="accent1">
-              <a:shade val="50000"/>
-            </a:schemeClr>
-          </a:lnRef>
-          <a:fillRef idx="1">
-            <a:schemeClr val="accent1"/>
-          </a:fillRef>
-          <a:effectRef idx="0">
-            <a:schemeClr val="accent1"/>
-          </a:effectRef>
-          <a:fontRef idx="minor">
-            <a:schemeClr val="lt1"/>
-          </a:fontRef>
-        </p:style>
-        <p:txBody>
-          <a:bodyPr rtlCol="0" anchor="ctr"/>
-          <a:lstStyle/>
-          <a:p>
-            <a:pPr algn="ctr"/>
-            <a:r>
-              <a:rPr lang="en-US" dirty="0" smtClean="0"/>
-              <a:t>Regression</a:t>
-            </a:r>
-          </a:p>
-          <a:p>
-            <a:pPr algn="ctr"/>
-            <a:endParaRPr lang="en-US" dirty="0"/>
-          </a:p>
-          <a:p>
-            <a:r>
-              <a:rPr lang="en-US" sz="1400" dirty="0" smtClean="0"/>
-              <a:t>Linear Regression</a:t>
-            </a:r>
-          </a:p>
-          <a:p>
-            <a:pPr marL="285750" indent="-285750">
-              <a:buFont typeface="Arial" panose="020B0604020202020204" pitchFamily="34" charset="0"/>
-              <a:buChar char="•"/>
-            </a:pPr>
-            <a:r>
-              <a:rPr lang="en-US" sz="1400" dirty="0" smtClean="0"/>
-              <a:t>OLS</a:t>
-            </a:r>
-          </a:p>
-          <a:p>
-            <a:pPr marL="285750" indent="-285750">
-              <a:buFont typeface="Arial" panose="020B0604020202020204" pitchFamily="34" charset="0"/>
-              <a:buChar char="•"/>
-            </a:pPr>
-            <a:r>
-              <a:rPr lang="en-US" sz="1400" dirty="0" smtClean="0"/>
-              <a:t>WLS</a:t>
-            </a:r>
-          </a:p>
-          <a:p>
-            <a:pPr marL="285750" indent="-285750">
-              <a:buFont typeface="Arial" panose="020B0604020202020204" pitchFamily="34" charset="0"/>
-              <a:buChar char="•"/>
-            </a:pPr>
-            <a:r>
-              <a:rPr lang="en-US" sz="1400" dirty="0" smtClean="0"/>
-              <a:t>GLS</a:t>
-            </a:r>
-          </a:p>
-          <a:p>
-            <a:endParaRPr lang="en-US" sz="1400" dirty="0" smtClean="0"/>
-          </a:p>
-          <a:p>
-            <a:r>
-              <a:rPr lang="en-US" sz="1400" dirty="0" smtClean="0"/>
-              <a:t>Ridge Regression</a:t>
-            </a:r>
-          </a:p>
-          <a:p>
-            <a:r>
-              <a:rPr lang="en-US" sz="1400" dirty="0" smtClean="0"/>
-              <a:t>Lasso Regression</a:t>
-            </a:r>
-          </a:p>
-          <a:p>
-            <a:pPr algn="ctr"/>
-            <a:r>
-              <a:rPr lang="en-US" dirty="0" smtClean="0"/>
-              <a:t>	</a:t>
-            </a:r>
-            <a:endParaRPr lang="en-US" dirty="0"/>
-          </a:p>
-        </p:txBody>
-      </p:sp>
-      <p:sp>
-        <p:nvSpPr>
           <p:cNvPr id="6" name="Rectangle 5"/>
           <p:cNvSpPr/>
           <p:nvPr/>
@@ -4152,7 +3737,6 @@
           <p:cNvPr id="7" name="Elbow Connector 6"/>
           <p:cNvCxnSpPr>
             <a:stCxn id="4" idx="2"/>
-            <a:endCxn id="5" idx="0"/>
           </p:cNvCxnSpPr>
           <p:nvPr/>
         </p:nvCxnSpPr>
@@ -4222,7 +3806,646 @@
     </p:spTree>
     <p:extLst>
       <p:ext uri="{BB962C8B-B14F-4D97-AF65-F5344CB8AC3E}">
-        <p14:creationId xmlns:p14="http://schemas.microsoft.com/office/powerpoint/2010/main" val="499064727"/>
+        <p14:creationId xmlns:p14="http://schemas.microsoft.com/office/powerpoint/2010/main" val="2062451023"/>
+      </p:ext>
+    </p:extLst>
+  </p:cSld>
+  <p:clrMapOvr>
+    <a:masterClrMapping/>
+  </p:clrMapOvr>
+</p:sld>
+</file>
+
+<file path=ppt/slides/slide11.xml><?xml version="1.0" encoding="utf-8"?>
+<p:sld xmlns:a="http://schemas.openxmlformats.org/drawingml/2006/main" xmlns:r="http://schemas.openxmlformats.org/officeDocument/2006/relationships" xmlns:p="http://schemas.openxmlformats.org/presentationml/2006/main">
+  <p:cSld>
+    <p:bg>
+      <p:bgPr>
+        <a:gradFill>
+          <a:gsLst>
+            <a:gs pos="9768">
+              <a:srgbClr val="EEF5FB"/>
+            </a:gs>
+            <a:gs pos="0">
+              <a:schemeClr val="accent1">
+                <a:lumMod val="5000"/>
+                <a:lumOff val="95000"/>
+              </a:schemeClr>
+            </a:gs>
+            <a:gs pos="74000">
+              <a:schemeClr val="accent1">
+                <a:lumMod val="45000"/>
+                <a:lumOff val="55000"/>
+              </a:schemeClr>
+            </a:gs>
+            <a:gs pos="83000">
+              <a:schemeClr val="accent1">
+                <a:lumMod val="45000"/>
+                <a:lumOff val="55000"/>
+              </a:schemeClr>
+            </a:gs>
+            <a:gs pos="100000">
+              <a:schemeClr val="accent1">
+                <a:lumMod val="30000"/>
+                <a:lumOff val="70000"/>
+              </a:schemeClr>
+            </a:gs>
+          </a:gsLst>
+          <a:lin ang="5400000" scaled="1"/>
+        </a:gradFill>
+        <a:effectLst/>
+      </p:bgPr>
+    </p:bg>
+    <p:spTree>
+      <p:nvGrpSpPr>
+        <p:cNvPr id="1" name=""/>
+        <p:cNvGrpSpPr/>
+        <p:nvPr/>
+      </p:nvGrpSpPr>
+      <p:grpSpPr>
+        <a:xfrm>
+          <a:off x="0" y="0"/>
+          <a:ext cx="0" cy="0"/>
+          <a:chOff x="0" y="0"/>
+          <a:chExt cx="0" cy="0"/>
+        </a:xfrm>
+      </p:grpSpPr>
+      <p:sp>
+        <p:nvSpPr>
+          <p:cNvPr id="12" name="Rectangle 11"/>
+          <p:cNvSpPr/>
+          <p:nvPr/>
+        </p:nvSpPr>
+        <p:spPr>
+          <a:xfrm>
+            <a:off x="4356278" y="511933"/>
+            <a:ext cx="2421228" cy="592428"/>
+          </a:xfrm>
+          <a:prstGeom prst="rect">
+            <a:avLst/>
+          </a:prstGeom>
+        </p:spPr>
+        <p:style>
+          <a:lnRef idx="2">
+            <a:schemeClr val="accent1">
+              <a:shade val="50000"/>
+            </a:schemeClr>
+          </a:lnRef>
+          <a:fillRef idx="1">
+            <a:schemeClr val="accent1"/>
+          </a:fillRef>
+          <a:effectRef idx="0">
+            <a:schemeClr val="accent1"/>
+          </a:effectRef>
+          <a:fontRef idx="minor">
+            <a:schemeClr val="lt1"/>
+          </a:fontRef>
+        </p:style>
+        <p:txBody>
+          <a:bodyPr rtlCol="0" anchor="ctr"/>
+          <a:lstStyle/>
+          <a:p>
+            <a:pPr algn="ctr"/>
+            <a:r>
+              <a:rPr lang="en-US" dirty="0" err="1" smtClean="0"/>
+              <a:t>UnSupervised</a:t>
+            </a:r>
+            <a:r>
+              <a:rPr lang="en-US" dirty="0" smtClean="0"/>
+              <a:t> ML	</a:t>
+            </a:r>
+            <a:endParaRPr lang="en-US" dirty="0"/>
+          </a:p>
+        </p:txBody>
+      </p:sp>
+      <p:sp>
+        <p:nvSpPr>
+          <p:cNvPr id="13" name="Rectangle 12"/>
+          <p:cNvSpPr/>
+          <p:nvPr/>
+        </p:nvSpPr>
+        <p:spPr>
+          <a:xfrm>
+            <a:off x="4356278" y="2846232"/>
+            <a:ext cx="2421228" cy="2376152"/>
+          </a:xfrm>
+          <a:prstGeom prst="rect">
+            <a:avLst/>
+          </a:prstGeom>
+        </p:spPr>
+        <p:style>
+          <a:lnRef idx="2">
+            <a:schemeClr val="accent1">
+              <a:shade val="50000"/>
+            </a:schemeClr>
+          </a:lnRef>
+          <a:fillRef idx="1">
+            <a:schemeClr val="accent1"/>
+          </a:fillRef>
+          <a:effectRef idx="0">
+            <a:schemeClr val="accent1"/>
+          </a:effectRef>
+          <a:fontRef idx="minor">
+            <a:schemeClr val="lt1"/>
+          </a:fontRef>
+        </p:style>
+        <p:txBody>
+          <a:bodyPr rtlCol="0" anchor="ctr"/>
+          <a:lstStyle/>
+          <a:p>
+            <a:pPr algn="ctr"/>
+            <a:endParaRPr lang="en-US" sz="1400" dirty="0" smtClean="0"/>
+          </a:p>
+          <a:p>
+            <a:pPr algn="ctr"/>
+            <a:endParaRPr lang="en-US" sz="1400" dirty="0"/>
+          </a:p>
+          <a:p>
+            <a:pPr algn="ctr"/>
+            <a:endParaRPr lang="en-US" sz="1400" dirty="0" smtClean="0"/>
+          </a:p>
+          <a:p>
+            <a:pPr algn="ctr"/>
+            <a:endParaRPr lang="en-US" sz="1400" dirty="0"/>
+          </a:p>
+          <a:p>
+            <a:pPr algn="ctr"/>
+            <a:r>
+              <a:rPr lang="en-US" dirty="0" smtClean="0"/>
+              <a:t>Clustering</a:t>
+            </a:r>
+          </a:p>
+          <a:p>
+            <a:pPr algn="ctr"/>
+            <a:r>
+              <a:rPr lang="en-US" dirty="0" smtClean="0"/>
+              <a:t>Mixture Models</a:t>
+            </a:r>
+          </a:p>
+          <a:p>
+            <a:pPr algn="ctr"/>
+            <a:endParaRPr lang="en-US" dirty="0"/>
+          </a:p>
+          <a:p>
+            <a:pPr algn="ctr"/>
+            <a:endParaRPr lang="en-US" dirty="0" smtClean="0"/>
+          </a:p>
+          <a:p>
+            <a:pPr algn="ctr"/>
+            <a:r>
+              <a:rPr lang="en-US" dirty="0" smtClean="0"/>
+              <a:t>Market Basket Analysis</a:t>
+            </a:r>
+          </a:p>
+          <a:p>
+            <a:pPr algn="ctr"/>
+            <a:r>
+              <a:rPr lang="en-US" dirty="0" smtClean="0"/>
+              <a:t>AR mining</a:t>
+            </a:r>
+          </a:p>
+          <a:p>
+            <a:pPr algn="ctr"/>
+            <a:r>
+              <a:rPr lang="en-US" dirty="0" smtClean="0"/>
+              <a:t>Dimensionality Reduction</a:t>
+            </a:r>
+          </a:p>
+          <a:p>
+            <a:pPr algn="ctr"/>
+            <a:endParaRPr lang="en-US" sz="1400" dirty="0"/>
+          </a:p>
+          <a:p>
+            <a:pPr algn="ctr"/>
+            <a:endParaRPr lang="en-US" sz="1400" dirty="0" smtClean="0"/>
+          </a:p>
+          <a:p>
+            <a:pPr algn="ctr"/>
+            <a:endParaRPr lang="en-US" sz="1400" dirty="0"/>
+          </a:p>
+          <a:p>
+            <a:pPr algn="ctr"/>
+            <a:endParaRPr lang="en-US" sz="1400" dirty="0"/>
+          </a:p>
+        </p:txBody>
+      </p:sp>
+      <p:cxnSp>
+        <p:nvCxnSpPr>
+          <p:cNvPr id="14" name="Elbow Connector 13"/>
+          <p:cNvCxnSpPr>
+            <a:stCxn id="12" idx="2"/>
+            <a:endCxn id="13" idx="0"/>
+          </p:cNvCxnSpPr>
+          <p:nvPr/>
+        </p:nvCxnSpPr>
+        <p:spPr>
+          <a:xfrm rot="5400000">
+            <a:off x="4695957" y="1975296"/>
+            <a:ext cx="1741871" cy="12700"/>
+          </a:xfrm>
+          <a:prstGeom prst="bentConnector3">
+            <a:avLst/>
+          </a:prstGeom>
+          <a:ln>
+            <a:tailEnd type="triangle"/>
+          </a:ln>
+        </p:spPr>
+        <p:style>
+          <a:lnRef idx="1">
+            <a:schemeClr val="accent1"/>
+          </a:lnRef>
+          <a:fillRef idx="0">
+            <a:schemeClr val="accent1"/>
+          </a:fillRef>
+          <a:effectRef idx="0">
+            <a:schemeClr val="accent1"/>
+          </a:effectRef>
+          <a:fontRef idx="minor">
+            <a:schemeClr val="tx1"/>
+          </a:fontRef>
+        </p:style>
+      </p:cxnSp>
+    </p:spTree>
+    <p:extLst>
+      <p:ext uri="{BB962C8B-B14F-4D97-AF65-F5344CB8AC3E}">
+        <p14:creationId xmlns:p14="http://schemas.microsoft.com/office/powerpoint/2010/main" val="3513503822"/>
+      </p:ext>
+    </p:extLst>
+  </p:cSld>
+  <p:clrMapOvr>
+    <a:masterClrMapping/>
+  </p:clrMapOvr>
+</p:sld>
+</file>
+
+<file path=ppt/slides/slide2.xml><?xml version="1.0" encoding="utf-8"?>
+<p:sld xmlns:a="http://schemas.openxmlformats.org/drawingml/2006/main" xmlns:r="http://schemas.openxmlformats.org/officeDocument/2006/relationships" xmlns:p="http://schemas.openxmlformats.org/presentationml/2006/main">
+  <p:cSld>
+    <p:spTree>
+      <p:nvGrpSpPr>
+        <p:cNvPr id="1" name=""/>
+        <p:cNvGrpSpPr/>
+        <p:nvPr/>
+      </p:nvGrpSpPr>
+      <p:grpSpPr>
+        <a:xfrm>
+          <a:off x="0" y="0"/>
+          <a:ext cx="0" cy="0"/>
+          <a:chOff x="0" y="0"/>
+          <a:chExt cx="0" cy="0"/>
+        </a:xfrm>
+      </p:grpSpPr>
+      <p:sp>
+        <p:nvSpPr>
+          <p:cNvPr id="2" name="Title 1"/>
+          <p:cNvSpPr>
+            <a:spLocks noGrp="1"/>
+          </p:cNvSpPr>
+          <p:nvPr>
+            <p:ph type="title"/>
+          </p:nvPr>
+        </p:nvSpPr>
+        <p:spPr/>
+        <p:txBody>
+          <a:bodyPr/>
+          <a:lstStyle/>
+          <a:p>
+            <a:r>
+              <a:rPr lang="en-US" dirty="0"/>
+              <a:t>M</a:t>
+            </a:r>
+            <a:r>
+              <a:rPr lang="en-US" dirty="0" smtClean="0"/>
+              <a:t>DLC – Model development lifecycle</a:t>
+            </a:r>
+            <a:br>
+              <a:rPr lang="en-US" dirty="0" smtClean="0"/>
+            </a:br>
+            <a:r>
+              <a:rPr lang="en-US" b="1" dirty="0" smtClean="0"/>
+              <a:t>CRISP - DM</a:t>
+            </a:r>
+            <a:endParaRPr lang="en-US" b="1" dirty="0"/>
+          </a:p>
+        </p:txBody>
+      </p:sp>
+      <p:sp>
+        <p:nvSpPr>
+          <p:cNvPr id="3" name="Content Placeholder 2"/>
+          <p:cNvSpPr>
+            <a:spLocks noGrp="1"/>
+          </p:cNvSpPr>
+          <p:nvPr>
+            <p:ph idx="1"/>
+          </p:nvPr>
+        </p:nvSpPr>
+        <p:spPr/>
+        <p:txBody>
+          <a:bodyPr>
+            <a:normAutofit fontScale="92500" lnSpcReduction="10000"/>
+          </a:bodyPr>
+          <a:lstStyle/>
+          <a:p>
+            <a:r>
+              <a:rPr lang="en-US" dirty="0" err="1" smtClean="0"/>
+              <a:t>Req</a:t>
+            </a:r>
+            <a:r>
+              <a:rPr lang="en-US" dirty="0" smtClean="0"/>
+              <a:t> gathering</a:t>
+            </a:r>
+          </a:p>
+          <a:p>
+            <a:pPr lvl="1"/>
+            <a:r>
+              <a:rPr lang="en-US" dirty="0" smtClean="0">
+                <a:solidFill>
+                  <a:srgbClr val="FF0000"/>
+                </a:solidFill>
+              </a:rPr>
+              <a:t>Data gathering -- DE</a:t>
+            </a:r>
+          </a:p>
+          <a:p>
+            <a:r>
+              <a:rPr lang="en-US" dirty="0" smtClean="0"/>
+              <a:t>Model Selection</a:t>
+            </a:r>
+          </a:p>
+          <a:p>
+            <a:r>
+              <a:rPr lang="en-US" dirty="0" smtClean="0"/>
+              <a:t>Development + Training – coding –java R python</a:t>
+            </a:r>
+          </a:p>
+          <a:p>
+            <a:r>
+              <a:rPr lang="en-US" dirty="0" smtClean="0"/>
+              <a:t>Testing accuracy</a:t>
+            </a:r>
+          </a:p>
+          <a:p>
+            <a:r>
+              <a:rPr lang="en-US" dirty="0" smtClean="0">
+                <a:solidFill>
+                  <a:srgbClr val="FF0000"/>
+                </a:solidFill>
+              </a:rPr>
+              <a:t>Release – Production deploy – </a:t>
+            </a:r>
+            <a:r>
+              <a:rPr lang="en-US" dirty="0" err="1" smtClean="0">
+                <a:solidFill>
+                  <a:srgbClr val="FF0000"/>
+                </a:solidFill>
+              </a:rPr>
+              <a:t>DevOps</a:t>
+            </a:r>
+            <a:endParaRPr lang="en-US" dirty="0" smtClean="0">
+              <a:solidFill>
+                <a:srgbClr val="FF0000"/>
+              </a:solidFill>
+            </a:endParaRPr>
+          </a:p>
+          <a:p>
+            <a:r>
+              <a:rPr lang="en-US" dirty="0" smtClean="0">
+                <a:solidFill>
+                  <a:srgbClr val="FF0000"/>
+                </a:solidFill>
+              </a:rPr>
+              <a:t>Production support teams</a:t>
+            </a:r>
+          </a:p>
+          <a:p>
+            <a:endParaRPr lang="en-US" dirty="0">
+              <a:solidFill>
+                <a:srgbClr val="FF0000"/>
+              </a:solidFill>
+            </a:endParaRPr>
+          </a:p>
+          <a:p>
+            <a:endParaRPr lang="en-US" dirty="0" smtClean="0">
+              <a:solidFill>
+                <a:srgbClr val="FF0000"/>
+              </a:solidFill>
+            </a:endParaRPr>
+          </a:p>
+          <a:p>
+            <a:r>
+              <a:rPr lang="en-US" dirty="0" smtClean="0">
+                <a:solidFill>
+                  <a:srgbClr val="FF0000"/>
+                </a:solidFill>
+              </a:rPr>
+              <a:t>FULL STACK developer</a:t>
+            </a:r>
+          </a:p>
+          <a:p>
+            <a:endParaRPr lang="en-US" dirty="0"/>
+          </a:p>
+        </p:txBody>
+      </p:sp>
+    </p:spTree>
+    <p:extLst>
+      <p:ext uri="{BB962C8B-B14F-4D97-AF65-F5344CB8AC3E}">
+        <p14:creationId xmlns:p14="http://schemas.microsoft.com/office/powerpoint/2010/main" val="3935082644"/>
+      </p:ext>
+    </p:extLst>
+  </p:cSld>
+  <p:clrMapOvr>
+    <a:masterClrMapping/>
+  </p:clrMapOvr>
+</p:sld>
+</file>
+
+<file path=ppt/slides/slide3.xml><?xml version="1.0" encoding="utf-8"?>
+<p:sld xmlns:a="http://schemas.openxmlformats.org/drawingml/2006/main" xmlns:r="http://schemas.openxmlformats.org/officeDocument/2006/relationships" xmlns:p="http://schemas.openxmlformats.org/presentationml/2006/main">
+  <p:cSld>
+    <p:spTree>
+      <p:nvGrpSpPr>
+        <p:cNvPr id="1" name=""/>
+        <p:cNvGrpSpPr/>
+        <p:nvPr/>
+      </p:nvGrpSpPr>
+      <p:grpSpPr>
+        <a:xfrm>
+          <a:off x="0" y="0"/>
+          <a:ext cx="0" cy="0"/>
+          <a:chOff x="0" y="0"/>
+          <a:chExt cx="0" cy="0"/>
+        </a:xfrm>
+      </p:grpSpPr>
+      <p:sp>
+        <p:nvSpPr>
+          <p:cNvPr id="2" name="Title 1"/>
+          <p:cNvSpPr>
+            <a:spLocks noGrp="1"/>
+          </p:cNvSpPr>
+          <p:nvPr>
+            <p:ph type="title"/>
+          </p:nvPr>
+        </p:nvSpPr>
+        <p:spPr/>
+        <p:txBody>
+          <a:bodyPr/>
+          <a:lstStyle/>
+          <a:p>
+            <a:r>
+              <a:rPr lang="en-US" dirty="0" smtClean="0"/>
+              <a:t>Data Engineer + Data Scientist + </a:t>
+            </a:r>
+            <a:r>
+              <a:rPr lang="en-US" dirty="0" err="1" smtClean="0"/>
+              <a:t>DevOps</a:t>
+            </a:r>
+            <a:endParaRPr lang="en-US" dirty="0"/>
+          </a:p>
+        </p:txBody>
+      </p:sp>
+      <p:sp>
+        <p:nvSpPr>
+          <p:cNvPr id="3" name="Content Placeholder 2"/>
+          <p:cNvSpPr>
+            <a:spLocks noGrp="1"/>
+          </p:cNvSpPr>
+          <p:nvPr>
+            <p:ph idx="1"/>
+          </p:nvPr>
+        </p:nvSpPr>
+        <p:spPr/>
+        <p:txBody>
+          <a:bodyPr/>
+          <a:lstStyle/>
+          <a:p>
+            <a:r>
+              <a:rPr lang="en-US" dirty="0" smtClean="0"/>
+              <a:t>Java </a:t>
+            </a:r>
+            <a:r>
+              <a:rPr lang="en-US" dirty="0" smtClean="0">
+                <a:solidFill>
+                  <a:srgbClr val="FF0000"/>
+                </a:solidFill>
+              </a:rPr>
+              <a:t>software development kit </a:t>
+            </a:r>
+            <a:r>
+              <a:rPr lang="en-US" dirty="0" smtClean="0"/>
+              <a:t>– swift </a:t>
+            </a:r>
+            <a:r>
+              <a:rPr lang="en-US" dirty="0" err="1" smtClean="0"/>
+              <a:t>ios</a:t>
+            </a:r>
+            <a:endParaRPr lang="en-US" dirty="0" smtClean="0"/>
+          </a:p>
+          <a:p>
+            <a:endParaRPr lang="en-US" dirty="0" smtClean="0"/>
+          </a:p>
+          <a:p>
+            <a:r>
+              <a:rPr lang="en-US" dirty="0" smtClean="0"/>
+              <a:t>Models-</a:t>
+            </a:r>
+            <a:r>
+              <a:rPr lang="en-US" dirty="0" smtClean="0">
+                <a:solidFill>
+                  <a:srgbClr val="FF0000"/>
+                </a:solidFill>
+              </a:rPr>
+              <a:t>-- </a:t>
+            </a:r>
+            <a:r>
+              <a:rPr lang="en-US" dirty="0" err="1" smtClean="0">
+                <a:solidFill>
+                  <a:srgbClr val="FF0000"/>
+                </a:solidFill>
+              </a:rPr>
+              <a:t>mdk</a:t>
+            </a:r>
+            <a:r>
+              <a:rPr lang="en-US" dirty="0" smtClean="0">
+                <a:solidFill>
+                  <a:srgbClr val="FF0000"/>
+                </a:solidFill>
+              </a:rPr>
+              <a:t> </a:t>
+            </a:r>
+            <a:r>
+              <a:rPr lang="en-US" dirty="0" smtClean="0"/>
+              <a:t>software--- pandas/</a:t>
+            </a:r>
+            <a:r>
+              <a:rPr lang="en-US" dirty="0" err="1" smtClean="0"/>
+              <a:t>numpy</a:t>
+            </a:r>
+            <a:r>
+              <a:rPr lang="en-US" dirty="0" smtClean="0"/>
+              <a:t>/</a:t>
+            </a:r>
+            <a:r>
+              <a:rPr lang="en-US" dirty="0" err="1" smtClean="0"/>
+              <a:t>stasmodel</a:t>
+            </a:r>
+            <a:r>
+              <a:rPr lang="en-US" dirty="0" smtClean="0"/>
+              <a:t>/</a:t>
+            </a:r>
+            <a:r>
+              <a:rPr lang="en-US" dirty="0" err="1" smtClean="0"/>
+              <a:t>sklearn</a:t>
+            </a:r>
+            <a:endParaRPr lang="en-US" dirty="0" smtClean="0"/>
+          </a:p>
+          <a:p>
+            <a:r>
+              <a:rPr lang="en-US" dirty="0" smtClean="0"/>
+              <a:t>CART – CARET – DTREE -- RPART</a:t>
+            </a:r>
+          </a:p>
+          <a:p>
+            <a:endParaRPr lang="en-US" dirty="0"/>
+          </a:p>
+          <a:p>
+            <a:r>
+              <a:rPr lang="en-US" dirty="0" smtClean="0"/>
+              <a:t>ABC – DTREE </a:t>
+            </a:r>
+            <a:r>
+              <a:rPr lang="en-US" dirty="0" err="1" smtClean="0">
+                <a:solidFill>
+                  <a:srgbClr val="FF0000"/>
+                </a:solidFill>
+              </a:rPr>
+              <a:t>RPART</a:t>
+            </a:r>
+            <a:r>
+              <a:rPr lang="en-US" b="1" dirty="0" err="1" smtClean="0">
+                <a:solidFill>
+                  <a:srgbClr val="FF0000"/>
+                </a:solidFill>
+              </a:rPr>
+              <a:t>_ng</a:t>
+            </a:r>
+            <a:r>
+              <a:rPr lang="en-US" dirty="0" smtClean="0"/>
+              <a:t> - ABCDTREE---DS – DTREE--ABCDTREE </a:t>
+            </a:r>
+          </a:p>
+          <a:p>
+            <a:r>
+              <a:rPr lang="en-US" dirty="0" smtClean="0"/>
+              <a:t>MDK</a:t>
+            </a:r>
+            <a:endParaRPr lang="en-US" dirty="0"/>
+          </a:p>
+        </p:txBody>
+      </p:sp>
+    </p:spTree>
+    <p:extLst>
+      <p:ext uri="{BB962C8B-B14F-4D97-AF65-F5344CB8AC3E}">
+        <p14:creationId xmlns:p14="http://schemas.microsoft.com/office/powerpoint/2010/main" val="3762544463"/>
       </p:ext>
     </p:extLst>
   </p:cSld>
@@ -4288,13 +4511,13 @@
       </p:grpSpPr>
       <p:sp>
         <p:nvSpPr>
-          <p:cNvPr id="12" name="Rectangle 11"/>
+          <p:cNvPr id="4" name="Rectangle 3"/>
           <p:cNvSpPr/>
           <p:nvPr/>
         </p:nvSpPr>
         <p:spPr>
           <a:xfrm>
-            <a:off x="4356278" y="511933"/>
+            <a:off x="5422006" y="386366"/>
             <a:ext cx="2421228" cy="592428"/>
           </a:xfrm>
           <a:prstGeom prst="rect">
@@ -4323,12 +4546,8 @@
           <a:p>
             <a:pPr algn="ctr"/>
             <a:r>
-              <a:rPr lang="en-US" dirty="0" err="1" smtClean="0"/>
-              <a:t>UnSupervised</a:t>
-            </a:r>
-            <a:r>
               <a:rPr lang="en-US" dirty="0" smtClean="0"/>
-              <a:t> ML	</a:t>
+              <a:t>Machine Learning</a:t>
             </a:r>
             <a:endParaRPr lang="en-US" dirty="0"/>
           </a:p>
@@ -4336,14 +4555,14 @@
       </p:sp>
       <p:sp>
         <p:nvSpPr>
-          <p:cNvPr id="13" name="Rectangle 12"/>
+          <p:cNvPr id="5" name="Rectangle 4"/>
           <p:cNvSpPr/>
           <p:nvPr/>
         </p:nvSpPr>
         <p:spPr>
           <a:xfrm>
-            <a:off x="4356278" y="2846232"/>
-            <a:ext cx="2421228" cy="2376152"/>
+            <a:off x="2148627" y="1429465"/>
+            <a:ext cx="2421228" cy="592428"/>
           </a:xfrm>
           <a:prstGeom prst="rect">
             <a:avLst/>
@@ -4370,9 +4589,214 @@
           <a:lstStyle/>
           <a:p>
             <a:pPr algn="ctr"/>
+            <a:r>
+              <a:rPr lang="en-US" dirty="0" smtClean="0"/>
+              <a:t>Supervised ML	</a:t>
+            </a:r>
+            <a:endParaRPr lang="en-US" dirty="0"/>
+          </a:p>
+        </p:txBody>
+      </p:sp>
+      <p:sp>
+        <p:nvSpPr>
+          <p:cNvPr id="6" name="Rectangle 5"/>
+          <p:cNvSpPr/>
+          <p:nvPr/>
+        </p:nvSpPr>
+        <p:spPr>
+          <a:xfrm>
+            <a:off x="8889642" y="1423115"/>
+            <a:ext cx="2421228" cy="592428"/>
+          </a:xfrm>
+          <a:prstGeom prst="rect">
+            <a:avLst/>
+          </a:prstGeom>
+        </p:spPr>
+        <p:style>
+          <a:lnRef idx="2">
+            <a:schemeClr val="accent1">
+              <a:shade val="50000"/>
+            </a:schemeClr>
+          </a:lnRef>
+          <a:fillRef idx="1">
+            <a:schemeClr val="accent1"/>
+          </a:fillRef>
+          <a:effectRef idx="0">
+            <a:schemeClr val="accent1"/>
+          </a:effectRef>
+          <a:fontRef idx="minor">
+            <a:schemeClr val="lt1"/>
+          </a:fontRef>
+        </p:style>
+        <p:txBody>
+          <a:bodyPr rtlCol="0" anchor="ctr"/>
+          <a:lstStyle/>
+          <a:p>
+            <a:pPr algn="ctr"/>
+            <a:r>
+              <a:rPr lang="en-US" dirty="0" err="1" smtClean="0"/>
+              <a:t>UnSupervised</a:t>
+            </a:r>
+            <a:r>
+              <a:rPr lang="en-US" dirty="0" smtClean="0"/>
+              <a:t> ML	</a:t>
+            </a:r>
+            <a:endParaRPr lang="en-US" dirty="0"/>
+          </a:p>
+        </p:txBody>
+      </p:sp>
+      <p:sp>
+        <p:nvSpPr>
+          <p:cNvPr id="7" name="Rectangle 6"/>
+          <p:cNvSpPr/>
+          <p:nvPr/>
+        </p:nvSpPr>
+        <p:spPr>
+          <a:xfrm>
+            <a:off x="369195" y="3052294"/>
+            <a:ext cx="2421228" cy="3805706"/>
+          </a:xfrm>
+          <a:prstGeom prst="rect">
+            <a:avLst/>
+          </a:prstGeom>
+        </p:spPr>
+        <p:style>
+          <a:lnRef idx="2">
+            <a:schemeClr val="accent1">
+              <a:shade val="50000"/>
+            </a:schemeClr>
+          </a:lnRef>
+          <a:fillRef idx="1">
+            <a:schemeClr val="accent1"/>
+          </a:fillRef>
+          <a:effectRef idx="0">
+            <a:schemeClr val="accent1"/>
+          </a:effectRef>
+          <a:fontRef idx="minor">
+            <a:schemeClr val="lt1"/>
+          </a:fontRef>
+        </p:style>
+        <p:txBody>
+          <a:bodyPr rtlCol="0" anchor="ctr"/>
+          <a:lstStyle/>
+          <a:p>
+            <a:pPr algn="ctr"/>
+            <a:r>
+              <a:rPr lang="en-US" dirty="0" smtClean="0"/>
+              <a:t>Regression</a:t>
+            </a:r>
+          </a:p>
+          <a:p>
+            <a:pPr algn="ctr"/>
+            <a:endParaRPr lang="en-US" dirty="0"/>
+          </a:p>
+          <a:p>
+            <a:r>
+              <a:rPr lang="en-US" sz="1400" dirty="0" smtClean="0"/>
+              <a:t>Linear Regression</a:t>
+            </a:r>
+          </a:p>
+          <a:p>
+            <a:pPr marL="285750" indent="-285750">
+              <a:buFont typeface="Arial" panose="020B0604020202020204" pitchFamily="34" charset="0"/>
+              <a:buChar char="•"/>
+            </a:pPr>
+            <a:r>
+              <a:rPr lang="en-US" sz="1400" dirty="0" smtClean="0"/>
+              <a:t>OLS</a:t>
+            </a:r>
+          </a:p>
+          <a:p>
+            <a:pPr marL="285750" indent="-285750">
+              <a:buFont typeface="Arial" panose="020B0604020202020204" pitchFamily="34" charset="0"/>
+              <a:buChar char="•"/>
+            </a:pPr>
+            <a:r>
+              <a:rPr lang="en-US" sz="1400" dirty="0" smtClean="0"/>
+              <a:t>WLS</a:t>
+            </a:r>
+          </a:p>
+          <a:p>
+            <a:pPr marL="285750" indent="-285750">
+              <a:buFont typeface="Arial" panose="020B0604020202020204" pitchFamily="34" charset="0"/>
+              <a:buChar char="•"/>
+            </a:pPr>
+            <a:r>
+              <a:rPr lang="en-US" sz="1400" dirty="0" smtClean="0"/>
+              <a:t>GLS</a:t>
+            </a:r>
+          </a:p>
+          <a:p>
             <a:endParaRPr lang="en-US" sz="1400" dirty="0" smtClean="0"/>
           </a:p>
           <a:p>
+            <a:r>
+              <a:rPr lang="en-US" sz="1400" dirty="0" smtClean="0"/>
+              <a:t>Ridge Regression</a:t>
+            </a:r>
+          </a:p>
+          <a:p>
+            <a:r>
+              <a:rPr lang="en-US" sz="1400" dirty="0" smtClean="0"/>
+              <a:t>Lasso Regression</a:t>
+            </a:r>
+          </a:p>
+          <a:p>
+            <a:r>
+              <a:rPr lang="en-US" sz="1400" dirty="0" err="1" smtClean="0"/>
+              <a:t>ElasticNet</a:t>
+            </a:r>
+            <a:endParaRPr lang="en-US" sz="1400" dirty="0" smtClean="0"/>
+          </a:p>
+          <a:p>
+            <a:pPr algn="ctr"/>
+            <a:r>
+              <a:rPr lang="en-US" dirty="0" smtClean="0"/>
+              <a:t>	</a:t>
+            </a:r>
+            <a:endParaRPr lang="en-US" dirty="0"/>
+          </a:p>
+        </p:txBody>
+      </p:sp>
+      <p:sp>
+        <p:nvSpPr>
+          <p:cNvPr id="8" name="Rectangle 7"/>
+          <p:cNvSpPr/>
+          <p:nvPr/>
+        </p:nvSpPr>
+        <p:spPr>
+          <a:xfrm>
+            <a:off x="3088785" y="3052294"/>
+            <a:ext cx="4754449" cy="3805706"/>
+          </a:xfrm>
+          <a:prstGeom prst="rect">
+            <a:avLst/>
+          </a:prstGeom>
+        </p:spPr>
+        <p:style>
+          <a:lnRef idx="2">
+            <a:schemeClr val="accent1">
+              <a:shade val="50000"/>
+            </a:schemeClr>
+          </a:lnRef>
+          <a:fillRef idx="1">
+            <a:schemeClr val="accent1"/>
+          </a:fillRef>
+          <a:effectRef idx="0">
+            <a:schemeClr val="accent1"/>
+          </a:effectRef>
+          <a:fontRef idx="minor">
+            <a:schemeClr val="lt1"/>
+          </a:fontRef>
+        </p:style>
+        <p:txBody>
+          <a:bodyPr rtlCol="0" anchor="ctr"/>
+          <a:lstStyle/>
+          <a:p>
+            <a:pPr algn="ctr"/>
+            <a:endParaRPr lang="en-US" sz="1400" dirty="0" smtClean="0"/>
+          </a:p>
+          <a:p>
             <a:pPr algn="ctr"/>
             <a:endParaRPr lang="en-US" sz="1400" dirty="0"/>
           </a:p>
@@ -4388,7 +4812,227 @@
             <a:pPr algn="ctr"/>
             <a:r>
               <a:rPr lang="en-US" dirty="0" smtClean="0"/>
-              <a:t>Clustering</a:t>
+              <a:t>Classification</a:t>
+            </a:r>
+          </a:p>
+          <a:p>
+            <a:r>
+              <a:rPr lang="en-US" sz="1400" dirty="0" smtClean="0"/>
+              <a:t>Logistic </a:t>
+            </a:r>
+            <a:r>
+              <a:rPr lang="en-US" sz="1400" dirty="0" smtClean="0"/>
+              <a:t>Regression –LOGIT Function - </a:t>
+            </a:r>
+            <a:r>
+              <a:rPr lang="en-US" sz="1400" b="1" dirty="0" smtClean="0"/>
+              <a:t>y=</a:t>
+            </a:r>
+            <a:r>
+              <a:rPr lang="en-US" sz="1400" b="1" dirty="0" err="1" smtClean="0"/>
+              <a:t>mx+c</a:t>
+            </a:r>
+            <a:endParaRPr lang="en-US" sz="1400" b="1" dirty="0" smtClean="0"/>
+          </a:p>
+          <a:p>
+            <a:r>
+              <a:rPr lang="en-US" sz="1400" dirty="0" smtClean="0"/>
+              <a:t>KNN</a:t>
+            </a:r>
+          </a:p>
+          <a:p>
+            <a:r>
+              <a:rPr lang="en-US" sz="1400" dirty="0" smtClean="0"/>
+              <a:t>Naïve </a:t>
+            </a:r>
+            <a:r>
+              <a:rPr lang="en-US" sz="1400" dirty="0" smtClean="0"/>
+              <a:t>Bayes– </a:t>
+            </a:r>
+            <a:r>
+              <a:rPr lang="en-US" sz="1400" b="1" dirty="0" smtClean="0"/>
+              <a:t>Bayes Theorem- </a:t>
+            </a:r>
+            <a:r>
+              <a:rPr lang="en-US" sz="1400" b="1" dirty="0" smtClean="0"/>
+              <a:t>Conditional probability</a:t>
+            </a:r>
+          </a:p>
+          <a:p>
+            <a:endParaRPr lang="en-US" sz="1400" b="1" dirty="0" smtClean="0"/>
+          </a:p>
+          <a:p>
+            <a:r>
+              <a:rPr lang="en-US" sz="1400" dirty="0" smtClean="0"/>
+              <a:t>10 SVM  -- ensemble- NOT RF</a:t>
+            </a:r>
+          </a:p>
+          <a:p>
+            <a:endParaRPr lang="en-US" sz="1400" dirty="0"/>
+          </a:p>
+          <a:p>
+            <a:r>
+              <a:rPr lang="en-US" sz="1400" dirty="0" smtClean="0"/>
+              <a:t>6 KNN + 4 SVM  --ensemble</a:t>
+            </a:r>
+          </a:p>
+          <a:p>
+            <a:endParaRPr lang="en-US" sz="1400" dirty="0" smtClean="0"/>
+          </a:p>
+          <a:p>
+            <a:r>
+              <a:rPr lang="en-US" sz="1400" dirty="0" smtClean="0"/>
+              <a:t>10 DTREE – ensemble + RF</a:t>
+            </a:r>
+          </a:p>
+          <a:p>
+            <a:endParaRPr lang="en-US" sz="1400" dirty="0"/>
+          </a:p>
+          <a:p>
+            <a:r>
+              <a:rPr lang="en-US" sz="1400" dirty="0" smtClean="0"/>
+              <a:t>Decision </a:t>
+            </a:r>
+            <a:r>
+              <a:rPr lang="en-US" sz="1400" dirty="0" smtClean="0"/>
+              <a:t>Trees</a:t>
+            </a:r>
+          </a:p>
+          <a:p>
+            <a:endParaRPr lang="en-US" sz="1400" dirty="0" smtClean="0"/>
+          </a:p>
+          <a:p>
+            <a:r>
+              <a:rPr lang="en-US" sz="1400" dirty="0" smtClean="0"/>
+              <a:t>Ensemble models:</a:t>
+            </a:r>
+          </a:p>
+          <a:p>
+            <a:pPr marL="285750" indent="-285750">
+              <a:buFont typeface="Arial" panose="020B0604020202020204" pitchFamily="34" charset="0"/>
+              <a:buChar char="•"/>
+            </a:pPr>
+            <a:r>
+              <a:rPr lang="en-US" sz="1400" dirty="0" smtClean="0"/>
+              <a:t>Bagging   ---  RF</a:t>
+            </a:r>
+            <a:endParaRPr lang="en-US" sz="1400" dirty="0" smtClean="0"/>
+          </a:p>
+          <a:p>
+            <a:pPr marL="285750" indent="-285750">
+              <a:buFont typeface="Arial" panose="020B0604020202020204" pitchFamily="34" charset="0"/>
+              <a:buChar char="•"/>
+            </a:pPr>
+            <a:r>
+              <a:rPr lang="en-US" sz="1400" dirty="0" smtClean="0"/>
+              <a:t>Boosting  -- </a:t>
+            </a:r>
+            <a:r>
+              <a:rPr lang="en-US" sz="1400" dirty="0" err="1" smtClean="0"/>
+              <a:t>XGBoost</a:t>
+            </a:r>
+            <a:r>
+              <a:rPr lang="en-US" sz="1400" dirty="0" smtClean="0"/>
+              <a:t>/GBM</a:t>
+            </a:r>
+            <a:endParaRPr lang="en-US" sz="1400" dirty="0" smtClean="0"/>
+          </a:p>
+          <a:p>
+            <a:pPr algn="ctr"/>
+            <a:endParaRPr lang="en-US" sz="1400" dirty="0" smtClean="0"/>
+          </a:p>
+          <a:p>
+            <a:pPr algn="ctr"/>
+            <a:endParaRPr lang="en-US" sz="1400" dirty="0"/>
+          </a:p>
+          <a:p>
+            <a:pPr algn="ctr"/>
+            <a:endParaRPr lang="en-US" sz="1400" dirty="0" smtClean="0"/>
+          </a:p>
+          <a:p>
+            <a:pPr algn="ctr"/>
+            <a:endParaRPr lang="en-US" sz="1400" dirty="0"/>
+          </a:p>
+          <a:p>
+            <a:pPr algn="ctr"/>
+            <a:endParaRPr lang="en-US" sz="1400" dirty="0"/>
+          </a:p>
+        </p:txBody>
+      </p:sp>
+      <p:sp>
+        <p:nvSpPr>
+          <p:cNvPr id="10" name="Rectangle 9"/>
+          <p:cNvSpPr/>
+          <p:nvPr/>
+        </p:nvSpPr>
+        <p:spPr>
+          <a:xfrm>
+            <a:off x="8614356" y="3052295"/>
+            <a:ext cx="2971800" cy="3805706"/>
+          </a:xfrm>
+          <a:prstGeom prst="rect">
+            <a:avLst/>
+          </a:prstGeom>
+        </p:spPr>
+        <p:style>
+          <a:lnRef idx="2">
+            <a:schemeClr val="accent1">
+              <a:shade val="50000"/>
+            </a:schemeClr>
+          </a:lnRef>
+          <a:fillRef idx="1">
+            <a:schemeClr val="accent1"/>
+          </a:fillRef>
+          <a:effectRef idx="0">
+            <a:schemeClr val="accent1"/>
+          </a:effectRef>
+          <a:fontRef idx="minor">
+            <a:schemeClr val="lt1"/>
+          </a:fontRef>
+        </p:style>
+        <p:txBody>
+          <a:bodyPr rtlCol="0" anchor="ctr"/>
+          <a:lstStyle/>
+          <a:p>
+            <a:pPr algn="ctr"/>
+            <a:endParaRPr lang="en-US" sz="1400" dirty="0" smtClean="0"/>
+          </a:p>
+          <a:p>
+            <a:pPr algn="ctr"/>
+            <a:endParaRPr lang="en-US" sz="1400" dirty="0"/>
+          </a:p>
+          <a:p>
+            <a:pPr algn="ctr"/>
+            <a:endParaRPr lang="en-US" sz="1400" dirty="0" smtClean="0"/>
+          </a:p>
+          <a:p>
+            <a:pPr algn="ctr"/>
+            <a:r>
+              <a:rPr lang="en-US" dirty="0" smtClean="0"/>
+              <a:t>Clustering Models</a:t>
+            </a:r>
+          </a:p>
+          <a:p>
+            <a:pPr algn="ctr"/>
+            <a:r>
+              <a:rPr lang="en-US" dirty="0" smtClean="0"/>
+              <a:t>Mixture Models</a:t>
+            </a:r>
+            <a:endParaRPr lang="en-US" dirty="0" smtClean="0"/>
+          </a:p>
+          <a:p>
+            <a:pPr algn="ctr"/>
+            <a:endParaRPr lang="en-US" dirty="0" smtClean="0"/>
+          </a:p>
+          <a:p>
+            <a:pPr algn="ctr"/>
+            <a:r>
+              <a:rPr lang="en-US" dirty="0" smtClean="0"/>
+              <a:t>Association Rule </a:t>
+            </a:r>
+            <a:r>
+              <a:rPr lang="en-US" dirty="0" smtClean="0"/>
+              <a:t>mining</a:t>
             </a:r>
           </a:p>
           <a:p>
@@ -4402,16 +5046,43 @@
             <a:pPr algn="ctr"/>
             <a:r>
               <a:rPr lang="en-US" dirty="0" smtClean="0"/>
-              <a:t>AR mining</a:t>
-            </a:r>
+              <a:t>UP-SELL</a:t>
+            </a:r>
+          </a:p>
+          <a:p>
+            <a:pPr algn="ctr"/>
+            <a:endParaRPr lang="en-US" dirty="0"/>
+          </a:p>
+          <a:p>
+            <a:pPr algn="ctr"/>
+            <a:endParaRPr lang="en-US" dirty="0" smtClean="0"/>
           </a:p>
           <a:p>
             <a:pPr algn="ctr"/>
             <a:r>
               <a:rPr lang="en-US" dirty="0" smtClean="0"/>
-              <a:t>Dimensionality Reduction</a:t>
-            </a:r>
+              <a:t>Recommendation engine</a:t>
+            </a:r>
+            <a:endParaRPr lang="en-US" dirty="0"/>
+          </a:p>
+          <a:p>
+            <a:pPr algn="ctr"/>
             <a:endParaRPr lang="en-US" dirty="0" smtClean="0"/>
+          </a:p>
+          <a:p>
+            <a:pPr algn="ctr"/>
+            <a:endParaRPr lang="en-US" dirty="0" smtClean="0"/>
+          </a:p>
+          <a:p>
+            <a:pPr algn="ctr"/>
+            <a:r>
+              <a:rPr lang="en-US" dirty="0" smtClean="0"/>
+              <a:t>Dimensionality </a:t>
+            </a:r>
+            <a:r>
+              <a:rPr lang="en-US" dirty="0" smtClean="0"/>
+              <a:t>Reduction</a:t>
+            </a:r>
           </a:p>
           <a:p>
             <a:pPr algn="ctr"/>
@@ -4433,17 +5104,552 @@
       </p:sp>
       <p:cxnSp>
         <p:nvCxnSpPr>
-          <p:cNvPr id="14" name="Elbow Connector 13"/>
+          <p:cNvPr id="3" name="Elbow Connector 2"/>
           <p:cNvCxnSpPr>
-            <a:stCxn id="12" idx="2"/>
-            <a:endCxn id="13" idx="0"/>
+            <a:stCxn id="4" idx="1"/>
+            <a:endCxn id="5" idx="0"/>
+          </p:cNvCxnSpPr>
+          <p:nvPr/>
+        </p:nvCxnSpPr>
+        <p:spPr>
+          <a:xfrm rot="10800000" flipV="1">
+            <a:off x="3359242" y="682579"/>
+            <a:ext cx="2062765" cy="746885"/>
+          </a:xfrm>
+          <a:prstGeom prst="bentConnector2">
+            <a:avLst/>
+          </a:prstGeom>
+          <a:ln>
+            <a:tailEnd type="triangle"/>
+          </a:ln>
+        </p:spPr>
+        <p:style>
+          <a:lnRef idx="1">
+            <a:schemeClr val="accent1"/>
+          </a:lnRef>
+          <a:fillRef idx="0">
+            <a:schemeClr val="accent1"/>
+          </a:fillRef>
+          <a:effectRef idx="0">
+            <a:schemeClr val="accent1"/>
+          </a:effectRef>
+          <a:fontRef idx="minor">
+            <a:schemeClr val="tx1"/>
+          </a:fontRef>
+        </p:style>
+      </p:cxnSp>
+      <p:cxnSp>
+        <p:nvCxnSpPr>
+          <p:cNvPr id="11" name="Elbow Connector 10"/>
+          <p:cNvCxnSpPr>
+            <a:stCxn id="4" idx="3"/>
+            <a:endCxn id="6" idx="0"/>
+          </p:cNvCxnSpPr>
+          <p:nvPr/>
+        </p:nvCxnSpPr>
+        <p:spPr>
+          <a:xfrm>
+            <a:off x="7843234" y="682580"/>
+            <a:ext cx="2257022" cy="740535"/>
+          </a:xfrm>
+          <a:prstGeom prst="bentConnector2">
+            <a:avLst/>
+          </a:prstGeom>
+          <a:ln>
+            <a:tailEnd type="triangle"/>
+          </a:ln>
+        </p:spPr>
+        <p:style>
+          <a:lnRef idx="1">
+            <a:schemeClr val="accent1"/>
+          </a:lnRef>
+          <a:fillRef idx="0">
+            <a:schemeClr val="accent1"/>
+          </a:fillRef>
+          <a:effectRef idx="0">
+            <a:schemeClr val="accent1"/>
+          </a:effectRef>
+          <a:fontRef idx="minor">
+            <a:schemeClr val="tx1"/>
+          </a:fontRef>
+        </p:style>
+      </p:cxnSp>
+      <p:cxnSp>
+        <p:nvCxnSpPr>
+          <p:cNvPr id="13" name="Elbow Connector 12"/>
+          <p:cNvCxnSpPr>
+            <a:stCxn id="5" idx="2"/>
+            <a:endCxn id="7" idx="0"/>
           </p:cNvCxnSpPr>
           <p:nvPr/>
         </p:nvCxnSpPr>
         <p:spPr>
           <a:xfrm rot="5400000">
-            <a:off x="4695957" y="1975296"/>
-            <a:ext cx="1741871" cy="12700"/>
+            <a:off x="1954325" y="1647377"/>
+            <a:ext cx="1030401" cy="1779432"/>
+          </a:xfrm>
+          <a:prstGeom prst="bentConnector3">
+            <a:avLst/>
+          </a:prstGeom>
+          <a:ln>
+            <a:tailEnd type="triangle"/>
+          </a:ln>
+        </p:spPr>
+        <p:style>
+          <a:lnRef idx="1">
+            <a:schemeClr val="accent1"/>
+          </a:lnRef>
+          <a:fillRef idx="0">
+            <a:schemeClr val="accent1"/>
+          </a:fillRef>
+          <a:effectRef idx="0">
+            <a:schemeClr val="accent1"/>
+          </a:effectRef>
+          <a:fontRef idx="minor">
+            <a:schemeClr val="tx1"/>
+          </a:fontRef>
+        </p:style>
+      </p:cxnSp>
+      <p:cxnSp>
+        <p:nvCxnSpPr>
+          <p:cNvPr id="15" name="Elbow Connector 14"/>
+          <p:cNvCxnSpPr>
+            <a:stCxn id="5" idx="2"/>
+            <a:endCxn id="8" idx="0"/>
+          </p:cNvCxnSpPr>
+          <p:nvPr/>
+        </p:nvCxnSpPr>
+        <p:spPr>
+          <a:xfrm rot="16200000" flipH="1">
+            <a:off x="3897425" y="1483708"/>
+            <a:ext cx="1030401" cy="2106769"/>
+          </a:xfrm>
+          <a:prstGeom prst="bentConnector3">
+            <a:avLst/>
+          </a:prstGeom>
+          <a:ln>
+            <a:tailEnd type="triangle"/>
+          </a:ln>
+        </p:spPr>
+        <p:style>
+          <a:lnRef idx="1">
+            <a:schemeClr val="accent1"/>
+          </a:lnRef>
+          <a:fillRef idx="0">
+            <a:schemeClr val="accent1"/>
+          </a:fillRef>
+          <a:effectRef idx="0">
+            <a:schemeClr val="accent1"/>
+          </a:effectRef>
+          <a:fontRef idx="minor">
+            <a:schemeClr val="tx1"/>
+          </a:fontRef>
+        </p:style>
+      </p:cxnSp>
+      <p:cxnSp>
+        <p:nvCxnSpPr>
+          <p:cNvPr id="32" name="Elbow Connector 31"/>
+          <p:cNvCxnSpPr>
+            <a:stCxn id="6" idx="2"/>
+            <a:endCxn id="10" idx="0"/>
+          </p:cNvCxnSpPr>
+          <p:nvPr/>
+        </p:nvCxnSpPr>
+        <p:spPr>
+          <a:xfrm rot="5400000">
+            <a:off x="9581880" y="2533919"/>
+            <a:ext cx="1036752" cy="12700"/>
+          </a:xfrm>
+          <a:prstGeom prst="bentConnector3">
+            <a:avLst/>
+          </a:prstGeom>
+          <a:ln>
+            <a:tailEnd type="triangle"/>
+          </a:ln>
+        </p:spPr>
+        <p:style>
+          <a:lnRef idx="1">
+            <a:schemeClr val="accent1"/>
+          </a:lnRef>
+          <a:fillRef idx="0">
+            <a:schemeClr val="accent1"/>
+          </a:fillRef>
+          <a:effectRef idx="0">
+            <a:schemeClr val="accent1"/>
+          </a:effectRef>
+          <a:fontRef idx="minor">
+            <a:schemeClr val="tx1"/>
+          </a:fontRef>
+        </p:style>
+      </p:cxnSp>
+      <p:sp>
+        <p:nvSpPr>
+          <p:cNvPr id="40" name="Rectangle 39"/>
+          <p:cNvSpPr/>
+          <p:nvPr/>
+        </p:nvSpPr>
+        <p:spPr>
+          <a:xfrm>
+            <a:off x="-476518" y="244699"/>
+            <a:ext cx="914400" cy="914400"/>
+          </a:xfrm>
+          <a:prstGeom prst="rect">
+            <a:avLst/>
+          </a:prstGeom>
+        </p:spPr>
+        <p:style>
+          <a:lnRef idx="2">
+            <a:schemeClr val="accent1">
+              <a:shade val="50000"/>
+            </a:schemeClr>
+          </a:lnRef>
+          <a:fillRef idx="1">
+            <a:schemeClr val="accent1"/>
+          </a:fillRef>
+          <a:effectRef idx="0">
+            <a:schemeClr val="accent1"/>
+          </a:effectRef>
+          <a:fontRef idx="minor">
+            <a:schemeClr val="lt1"/>
+          </a:fontRef>
+        </p:style>
+        <p:txBody>
+          <a:bodyPr rtlCol="0" anchor="ctr"/>
+          <a:lstStyle/>
+          <a:p>
+            <a:pPr algn="ctr"/>
+            <a:r>
+              <a:rPr lang="en-US" dirty="0" smtClean="0"/>
+              <a:t>BREAK till 6:20 PM</a:t>
+            </a:r>
+            <a:endParaRPr lang="en-US" dirty="0"/>
+          </a:p>
+        </p:txBody>
+      </p:sp>
+    </p:spTree>
+    <p:extLst>
+      <p:ext uri="{BB962C8B-B14F-4D97-AF65-F5344CB8AC3E}">
+        <p14:creationId xmlns:p14="http://schemas.microsoft.com/office/powerpoint/2010/main" val="1588203572"/>
+      </p:ext>
+    </p:extLst>
+  </p:cSld>
+  <p:clrMapOvr>
+    <a:masterClrMapping/>
+  </p:clrMapOvr>
+</p:sld>
+</file>
+
+<file path=ppt/slides/slide5.xml><?xml version="1.0" encoding="utf-8"?>
+<p:sld xmlns:a="http://schemas.openxmlformats.org/drawingml/2006/main" xmlns:r="http://schemas.openxmlformats.org/officeDocument/2006/relationships" xmlns:p="http://schemas.openxmlformats.org/presentationml/2006/main">
+  <p:cSld>
+    <p:bg>
+      <p:bgPr>
+        <a:gradFill>
+          <a:gsLst>
+            <a:gs pos="9768">
+              <a:srgbClr val="EEF5FB"/>
+            </a:gs>
+            <a:gs pos="0">
+              <a:schemeClr val="accent1">
+                <a:lumMod val="5000"/>
+                <a:lumOff val="95000"/>
+              </a:schemeClr>
+            </a:gs>
+            <a:gs pos="74000">
+              <a:schemeClr val="accent1">
+                <a:lumMod val="45000"/>
+                <a:lumOff val="55000"/>
+              </a:schemeClr>
+            </a:gs>
+            <a:gs pos="83000">
+              <a:schemeClr val="accent1">
+                <a:lumMod val="45000"/>
+                <a:lumOff val="55000"/>
+              </a:schemeClr>
+            </a:gs>
+            <a:gs pos="100000">
+              <a:schemeClr val="accent1">
+                <a:lumMod val="30000"/>
+                <a:lumOff val="70000"/>
+              </a:schemeClr>
+            </a:gs>
+          </a:gsLst>
+          <a:lin ang="5400000" scaled="1"/>
+        </a:gradFill>
+        <a:effectLst/>
+      </p:bgPr>
+    </p:bg>
+    <p:spTree>
+      <p:nvGrpSpPr>
+        <p:cNvPr id="1" name=""/>
+        <p:cNvGrpSpPr/>
+        <p:nvPr/>
+      </p:nvGrpSpPr>
+      <p:grpSpPr>
+        <a:xfrm>
+          <a:off x="0" y="0"/>
+          <a:ext cx="0" cy="0"/>
+          <a:chOff x="0" y="0"/>
+          <a:chExt cx="0" cy="0"/>
+        </a:xfrm>
+      </p:grpSpPr>
+      <p:sp>
+        <p:nvSpPr>
+          <p:cNvPr id="4" name="Rectangle 3"/>
+          <p:cNvSpPr/>
+          <p:nvPr/>
+        </p:nvSpPr>
+        <p:spPr>
+          <a:xfrm>
+            <a:off x="4994859" y="273675"/>
+            <a:ext cx="2421228" cy="592428"/>
+          </a:xfrm>
+          <a:prstGeom prst="rect">
+            <a:avLst/>
+          </a:prstGeom>
+        </p:spPr>
+        <p:style>
+          <a:lnRef idx="2">
+            <a:schemeClr val="accent1">
+              <a:shade val="50000"/>
+            </a:schemeClr>
+          </a:lnRef>
+          <a:fillRef idx="1">
+            <a:schemeClr val="accent1"/>
+          </a:fillRef>
+          <a:effectRef idx="0">
+            <a:schemeClr val="accent1"/>
+          </a:effectRef>
+          <a:fontRef idx="minor">
+            <a:schemeClr val="lt1"/>
+          </a:fontRef>
+        </p:style>
+        <p:txBody>
+          <a:bodyPr rtlCol="0" anchor="ctr"/>
+          <a:lstStyle/>
+          <a:p>
+            <a:pPr algn="ctr"/>
+            <a:r>
+              <a:rPr lang="en-US" dirty="0" smtClean="0"/>
+              <a:t>Supervised ML	</a:t>
+            </a:r>
+            <a:endParaRPr lang="en-US" dirty="0"/>
+          </a:p>
+        </p:txBody>
+      </p:sp>
+      <p:sp>
+        <p:nvSpPr>
+          <p:cNvPr id="5" name="Rectangle 4"/>
+          <p:cNvSpPr/>
+          <p:nvPr/>
+        </p:nvSpPr>
+        <p:spPr>
+          <a:xfrm>
+            <a:off x="1347989" y="2047741"/>
+            <a:ext cx="2421228" cy="4713667"/>
+          </a:xfrm>
+          <a:prstGeom prst="rect">
+            <a:avLst/>
+          </a:prstGeom>
+        </p:spPr>
+        <p:style>
+          <a:lnRef idx="2">
+            <a:schemeClr val="accent1">
+              <a:shade val="50000"/>
+            </a:schemeClr>
+          </a:lnRef>
+          <a:fillRef idx="1">
+            <a:schemeClr val="accent1"/>
+          </a:fillRef>
+          <a:effectRef idx="0">
+            <a:schemeClr val="accent1"/>
+          </a:effectRef>
+          <a:fontRef idx="minor">
+            <a:schemeClr val="lt1"/>
+          </a:fontRef>
+        </p:style>
+        <p:txBody>
+          <a:bodyPr rtlCol="0" anchor="ctr"/>
+          <a:lstStyle/>
+          <a:p>
+            <a:pPr algn="ctr"/>
+            <a:r>
+              <a:rPr lang="en-US" dirty="0" smtClean="0"/>
+              <a:t>Regression</a:t>
+            </a:r>
+          </a:p>
+          <a:p>
+            <a:pPr algn="ctr"/>
+            <a:endParaRPr lang="en-US" dirty="0"/>
+          </a:p>
+          <a:p>
+            <a:r>
+              <a:rPr lang="en-US" sz="1400" dirty="0" smtClean="0"/>
+              <a:t>Linear Regression</a:t>
+            </a:r>
+          </a:p>
+          <a:p>
+            <a:pPr marL="285750" indent="-285750">
+              <a:buFont typeface="Arial" panose="020B0604020202020204" pitchFamily="34" charset="0"/>
+              <a:buChar char="•"/>
+            </a:pPr>
+            <a:r>
+              <a:rPr lang="en-US" sz="1400" dirty="0" smtClean="0"/>
+              <a:t>OLS</a:t>
+            </a:r>
+          </a:p>
+          <a:p>
+            <a:pPr marL="285750" indent="-285750">
+              <a:buFont typeface="Arial" panose="020B0604020202020204" pitchFamily="34" charset="0"/>
+              <a:buChar char="•"/>
+            </a:pPr>
+            <a:r>
+              <a:rPr lang="en-US" sz="1400" dirty="0" smtClean="0"/>
+              <a:t>WLS</a:t>
+            </a:r>
+          </a:p>
+          <a:p>
+            <a:pPr marL="285750" indent="-285750">
+              <a:buFont typeface="Arial" panose="020B0604020202020204" pitchFamily="34" charset="0"/>
+              <a:buChar char="•"/>
+            </a:pPr>
+            <a:r>
+              <a:rPr lang="en-US" sz="1400" dirty="0" smtClean="0"/>
+              <a:t>GLS</a:t>
+            </a:r>
+          </a:p>
+          <a:p>
+            <a:endParaRPr lang="en-US" sz="1400" dirty="0" smtClean="0"/>
+          </a:p>
+          <a:p>
+            <a:r>
+              <a:rPr lang="en-US" sz="1400" dirty="0" smtClean="0"/>
+              <a:t>Ridge Regression</a:t>
+            </a:r>
+          </a:p>
+          <a:p>
+            <a:r>
+              <a:rPr lang="en-US" sz="1400" dirty="0" smtClean="0"/>
+              <a:t>Lasso </a:t>
+            </a:r>
+            <a:r>
+              <a:rPr lang="en-US" sz="1400" dirty="0" smtClean="0"/>
+              <a:t>Regression</a:t>
+            </a:r>
+          </a:p>
+          <a:p>
+            <a:endParaRPr lang="en-US" sz="1400" dirty="0"/>
+          </a:p>
+          <a:p>
+            <a:endParaRPr lang="en-US" sz="1400" dirty="0"/>
+          </a:p>
+          <a:p>
+            <a:r>
+              <a:rPr lang="en-US" sz="1400" dirty="0"/>
+              <a:t>KNN</a:t>
+            </a:r>
+          </a:p>
+          <a:p>
+            <a:endParaRPr lang="en-US" sz="1400" dirty="0"/>
+          </a:p>
+          <a:p>
+            <a:r>
+              <a:rPr lang="en-US" sz="1400" dirty="0" err="1"/>
+              <a:t>DTrees</a:t>
+            </a:r>
+            <a:endParaRPr lang="en-US" sz="1400" dirty="0"/>
+          </a:p>
+          <a:p>
+            <a:endParaRPr lang="en-US" sz="1400" dirty="0"/>
+          </a:p>
+          <a:p>
+            <a:r>
+              <a:rPr lang="en-US" sz="1400" dirty="0"/>
+              <a:t>Ensemble models:</a:t>
+            </a:r>
+          </a:p>
+          <a:p>
+            <a:pPr marL="285750" indent="-285750">
+              <a:buFont typeface="Arial" panose="020B0604020202020204" pitchFamily="34" charset="0"/>
+              <a:buChar char="•"/>
+            </a:pPr>
+            <a:r>
+              <a:rPr lang="en-US" sz="1400" dirty="0"/>
+              <a:t>Bagging</a:t>
+            </a:r>
+          </a:p>
+          <a:p>
+            <a:pPr marL="285750" indent="-285750">
+              <a:buFont typeface="Arial" panose="020B0604020202020204" pitchFamily="34" charset="0"/>
+              <a:buChar char="•"/>
+            </a:pPr>
+            <a:r>
+              <a:rPr lang="en-US" sz="1400" dirty="0"/>
+              <a:t>Boosting</a:t>
+            </a:r>
+          </a:p>
+          <a:p>
+            <a:endParaRPr lang="en-US" sz="1400" dirty="0" smtClean="0"/>
+          </a:p>
+          <a:p>
+            <a:endParaRPr lang="en-US" sz="1400" dirty="0" smtClean="0"/>
+          </a:p>
+          <a:p>
+            <a:pPr algn="ctr"/>
+            <a:r>
+              <a:rPr lang="en-US" dirty="0" smtClean="0"/>
+              <a:t>	</a:t>
+            </a:r>
+            <a:endParaRPr lang="en-US" dirty="0"/>
+          </a:p>
+        </p:txBody>
+      </p:sp>
+      <p:cxnSp>
+        <p:nvCxnSpPr>
+          <p:cNvPr id="7" name="Elbow Connector 6"/>
+          <p:cNvCxnSpPr>
+            <a:stCxn id="4" idx="2"/>
+            <a:endCxn id="5" idx="0"/>
+          </p:cNvCxnSpPr>
+          <p:nvPr/>
+        </p:nvCxnSpPr>
+        <p:spPr>
+          <a:xfrm rot="5400000">
+            <a:off x="3791219" y="-366513"/>
+            <a:ext cx="1181638" cy="3646870"/>
+          </a:xfrm>
+          <a:prstGeom prst="bentConnector3">
+            <a:avLst/>
+          </a:prstGeom>
+          <a:ln>
+            <a:tailEnd type="triangle"/>
+          </a:ln>
+        </p:spPr>
+        <p:style>
+          <a:lnRef idx="1">
+            <a:schemeClr val="accent1"/>
+          </a:lnRef>
+          <a:fillRef idx="0">
+            <a:schemeClr val="accent1"/>
+          </a:fillRef>
+          <a:effectRef idx="0">
+            <a:schemeClr val="accent1"/>
+          </a:effectRef>
+          <a:fontRef idx="minor">
+            <a:schemeClr val="tx1"/>
+          </a:fontRef>
+        </p:style>
+      </p:cxnSp>
+      <p:cxnSp>
+        <p:nvCxnSpPr>
+          <p:cNvPr id="8" name="Elbow Connector 7"/>
+          <p:cNvCxnSpPr/>
+          <p:nvPr/>
+        </p:nvCxnSpPr>
+        <p:spPr>
+          <a:xfrm rot="16200000" flipH="1">
+            <a:off x="7087140" y="-498519"/>
+            <a:ext cx="1941489" cy="3910884"/>
           </a:xfrm>
           <a:prstGeom prst="bentConnector3">
             <a:avLst/>
@@ -4470,7 +5676,436 @@
     </p:spTree>
     <p:extLst>
       <p:ext uri="{BB962C8B-B14F-4D97-AF65-F5344CB8AC3E}">
-        <p14:creationId xmlns:p14="http://schemas.microsoft.com/office/powerpoint/2010/main" val="3513503822"/>
+        <p14:creationId xmlns:p14="http://schemas.microsoft.com/office/powerpoint/2010/main" val="499064727"/>
+      </p:ext>
+    </p:extLst>
+  </p:cSld>
+  <p:clrMapOvr>
+    <a:masterClrMapping/>
+  </p:clrMapOvr>
+</p:sld>
+</file>
+
+<file path=ppt/slides/slide6.xml><?xml version="1.0" encoding="utf-8"?>
+<p:sld xmlns:a="http://schemas.openxmlformats.org/drawingml/2006/main" xmlns:r="http://schemas.openxmlformats.org/officeDocument/2006/relationships" xmlns:p="http://schemas.openxmlformats.org/presentationml/2006/main">
+  <p:cSld>
+    <p:spTree>
+      <p:nvGrpSpPr>
+        <p:cNvPr id="1" name=""/>
+        <p:cNvGrpSpPr/>
+        <p:nvPr/>
+      </p:nvGrpSpPr>
+      <p:grpSpPr>
+        <a:xfrm>
+          <a:off x="0" y="0"/>
+          <a:ext cx="0" cy="0"/>
+          <a:chOff x="0" y="0"/>
+          <a:chExt cx="0" cy="0"/>
+        </a:xfrm>
+      </p:grpSpPr>
+      <p:sp>
+        <p:nvSpPr>
+          <p:cNvPr id="2" name="Title 1"/>
+          <p:cNvSpPr>
+            <a:spLocks noGrp="1"/>
+          </p:cNvSpPr>
+          <p:nvPr>
+            <p:ph type="title"/>
+          </p:nvPr>
+        </p:nvSpPr>
+        <p:spPr/>
+        <p:txBody>
+          <a:bodyPr/>
+          <a:lstStyle/>
+          <a:p>
+            <a:r>
+              <a:rPr lang="en-US" dirty="0" smtClean="0"/>
+              <a:t>Linear Regression</a:t>
+            </a:r>
+            <a:endParaRPr lang="en-US" dirty="0"/>
+          </a:p>
+        </p:txBody>
+      </p:sp>
+    </p:spTree>
+    <p:extLst>
+      <p:ext uri="{BB962C8B-B14F-4D97-AF65-F5344CB8AC3E}">
+        <p14:creationId xmlns:p14="http://schemas.microsoft.com/office/powerpoint/2010/main" val="2079026274"/>
+      </p:ext>
+    </p:extLst>
+  </p:cSld>
+  <p:clrMapOvr>
+    <a:masterClrMapping/>
+  </p:clrMapOvr>
+</p:sld>
+</file>
+
+<file path=ppt/slides/slide7.xml><?xml version="1.0" encoding="utf-8"?>
+<p:sld xmlns:a="http://schemas.openxmlformats.org/drawingml/2006/main" xmlns:r="http://schemas.openxmlformats.org/officeDocument/2006/relationships" xmlns:p="http://schemas.openxmlformats.org/presentationml/2006/main">
+  <p:cSld>
+    <p:spTree>
+      <p:nvGrpSpPr>
+        <p:cNvPr id="1" name=""/>
+        <p:cNvGrpSpPr/>
+        <p:nvPr/>
+      </p:nvGrpSpPr>
+      <p:grpSpPr>
+        <a:xfrm>
+          <a:off x="0" y="0"/>
+          <a:ext cx="0" cy="0"/>
+          <a:chOff x="0" y="0"/>
+          <a:chExt cx="0" cy="0"/>
+        </a:xfrm>
+      </p:grpSpPr>
+      <p:sp>
+        <p:nvSpPr>
+          <p:cNvPr id="2" name="Title 1"/>
+          <p:cNvSpPr>
+            <a:spLocks noGrp="1"/>
+          </p:cNvSpPr>
+          <p:nvPr>
+            <p:ph type="title"/>
+          </p:nvPr>
+        </p:nvSpPr>
+        <p:spPr>
+          <a:xfrm>
+            <a:off x="838200" y="365125"/>
+            <a:ext cx="10515600" cy="2146255"/>
+          </a:xfrm>
+        </p:spPr>
+        <p:txBody>
+          <a:bodyPr>
+            <a:normAutofit/>
+          </a:bodyPr>
+          <a:lstStyle/>
+          <a:p>
+            <a:r>
+              <a:rPr lang="en-US" dirty="0" smtClean="0"/>
+              <a:t>KNN </a:t>
+            </a:r>
+            <a:br>
+              <a:rPr lang="en-US" dirty="0" smtClean="0"/>
+            </a:br>
+            <a:r>
+              <a:rPr lang="en-US" dirty="0" smtClean="0"/>
+              <a:t>K </a:t>
+            </a:r>
+            <a:r>
+              <a:rPr lang="en-US" dirty="0"/>
+              <a:t>Nearest Neighbor Model</a:t>
+            </a:r>
+            <a:r>
+              <a:rPr lang="en-US" dirty="0" smtClean="0"/>
+              <a:t/>
+            </a:r>
+            <a:br>
+              <a:rPr lang="en-US" dirty="0" smtClean="0"/>
+            </a:br>
+            <a:r>
+              <a:rPr lang="en-US" b="1" dirty="0" smtClean="0"/>
+              <a:t>K=3/5/7/9</a:t>
+            </a:r>
+            <a:endParaRPr lang="en-US" dirty="0"/>
+          </a:p>
+        </p:txBody>
+      </p:sp>
+      <p:sp>
+        <p:nvSpPr>
+          <p:cNvPr id="4" name="Rectangle 3"/>
+          <p:cNvSpPr/>
+          <p:nvPr/>
+        </p:nvSpPr>
+        <p:spPr>
+          <a:xfrm>
+            <a:off x="2176530" y="3065171"/>
+            <a:ext cx="6310646" cy="2897747"/>
+          </a:xfrm>
+          <a:prstGeom prst="rect">
+            <a:avLst/>
+          </a:prstGeom>
+        </p:spPr>
+        <p:style>
+          <a:lnRef idx="2">
+            <a:schemeClr val="accent1">
+              <a:shade val="50000"/>
+            </a:schemeClr>
+          </a:lnRef>
+          <a:fillRef idx="1">
+            <a:schemeClr val="accent1"/>
+          </a:fillRef>
+          <a:effectRef idx="0">
+            <a:schemeClr val="accent1"/>
+          </a:effectRef>
+          <a:fontRef idx="minor">
+            <a:schemeClr val="lt1"/>
+          </a:fontRef>
+        </p:style>
+        <p:txBody>
+          <a:bodyPr rtlCol="0" anchor="ctr"/>
+          <a:lstStyle/>
+          <a:p>
+            <a:pPr algn="ctr"/>
+            <a:r>
+              <a:rPr lang="en-US" b="1" dirty="0" smtClean="0"/>
+              <a:t>Distance Metric</a:t>
+            </a:r>
+          </a:p>
+          <a:p>
+            <a:pPr algn="ctr"/>
+            <a:r>
+              <a:rPr lang="en-US" dirty="0"/>
+              <a:t>Manhattan </a:t>
+            </a:r>
+            <a:endParaRPr lang="en-US" dirty="0" smtClean="0"/>
+          </a:p>
+          <a:p>
+            <a:pPr algn="ctr"/>
+            <a:r>
+              <a:rPr lang="en-US" dirty="0" smtClean="0"/>
+              <a:t>Euclidean</a:t>
+            </a:r>
+          </a:p>
+          <a:p>
+            <a:pPr algn="ctr"/>
+            <a:r>
+              <a:rPr lang="en-US" dirty="0" err="1" smtClean="0"/>
+              <a:t>Minkowski</a:t>
+            </a:r>
+            <a:endParaRPr lang="en-US" dirty="0" smtClean="0"/>
+          </a:p>
+          <a:p>
+            <a:pPr algn="ctr"/>
+            <a:r>
+              <a:rPr lang="en-US" dirty="0" err="1" smtClean="0"/>
+              <a:t>Mahalonobis</a:t>
+            </a:r>
+            <a:endParaRPr lang="en-US" dirty="0"/>
+          </a:p>
+        </p:txBody>
+      </p:sp>
+    </p:spTree>
+    <p:extLst>
+      <p:ext uri="{BB962C8B-B14F-4D97-AF65-F5344CB8AC3E}">
+        <p14:creationId xmlns:p14="http://schemas.microsoft.com/office/powerpoint/2010/main" val="3366486105"/>
+      </p:ext>
+    </p:extLst>
+  </p:cSld>
+  <p:clrMapOvr>
+    <a:masterClrMapping/>
+  </p:clrMapOvr>
+</p:sld>
+</file>
+
+<file path=ppt/slides/slide8.xml><?xml version="1.0" encoding="utf-8"?>
+<p:sld xmlns:a="http://schemas.openxmlformats.org/drawingml/2006/main" xmlns:r="http://schemas.openxmlformats.org/officeDocument/2006/relationships" xmlns:p="http://schemas.openxmlformats.org/presentationml/2006/main">
+  <p:cSld>
+    <p:spTree>
+      <p:nvGrpSpPr>
+        <p:cNvPr id="1" name=""/>
+        <p:cNvGrpSpPr/>
+        <p:nvPr/>
+      </p:nvGrpSpPr>
+      <p:grpSpPr>
+        <a:xfrm>
+          <a:off x="0" y="0"/>
+          <a:ext cx="0" cy="0"/>
+          <a:chOff x="0" y="0"/>
+          <a:chExt cx="0" cy="0"/>
+        </a:xfrm>
+      </p:grpSpPr>
+      <p:pic>
+        <p:nvPicPr>
+          <p:cNvPr id="4" name="Picture 3"/>
+          <p:cNvPicPr>
+            <a:picLocks noChangeAspect="1"/>
+          </p:cNvPicPr>
+          <p:nvPr/>
+        </p:nvPicPr>
+        <p:blipFill>
+          <a:blip r:embed="rId2"/>
+          <a:stretch>
+            <a:fillRect/>
+          </a:stretch>
+        </p:blipFill>
+        <p:spPr>
+          <a:xfrm>
+            <a:off x="768775" y="0"/>
+            <a:ext cx="5915025" cy="3245208"/>
+          </a:xfrm>
+          <a:prstGeom prst="rect">
+            <a:avLst/>
+          </a:prstGeom>
+        </p:spPr>
+      </p:pic>
+      <p:pic>
+        <p:nvPicPr>
+          <p:cNvPr id="5" name="Picture 4"/>
+          <p:cNvPicPr>
+            <a:picLocks noChangeAspect="1"/>
+          </p:cNvPicPr>
+          <p:nvPr/>
+        </p:nvPicPr>
+        <p:blipFill>
+          <a:blip r:embed="rId3"/>
+          <a:stretch>
+            <a:fillRect/>
+          </a:stretch>
+        </p:blipFill>
+        <p:spPr>
+          <a:xfrm>
+            <a:off x="2774860" y="3245208"/>
+            <a:ext cx="5715000" cy="3314700"/>
+          </a:xfrm>
+          <a:prstGeom prst="rect">
+            <a:avLst/>
+          </a:prstGeom>
+        </p:spPr>
+      </p:pic>
+    </p:spTree>
+    <p:extLst>
+      <p:ext uri="{BB962C8B-B14F-4D97-AF65-F5344CB8AC3E}">
+        <p14:creationId xmlns:p14="http://schemas.microsoft.com/office/powerpoint/2010/main" val="92948182"/>
+      </p:ext>
+    </p:extLst>
+  </p:cSld>
+  <p:clrMapOvr>
+    <a:masterClrMapping/>
+  </p:clrMapOvr>
+</p:sld>
+</file>
+
+<file path=ppt/slides/slide9.xml><?xml version="1.0" encoding="utf-8"?>
+<p:sld xmlns:a="http://schemas.openxmlformats.org/drawingml/2006/main" xmlns:r="http://schemas.openxmlformats.org/officeDocument/2006/relationships" xmlns:p="http://schemas.openxmlformats.org/presentationml/2006/main">
+  <p:cSld>
+    <p:spTree>
+      <p:nvGrpSpPr>
+        <p:cNvPr id="1" name=""/>
+        <p:cNvGrpSpPr/>
+        <p:nvPr/>
+      </p:nvGrpSpPr>
+      <p:grpSpPr>
+        <a:xfrm>
+          <a:off x="0" y="0"/>
+          <a:ext cx="0" cy="0"/>
+          <a:chOff x="0" y="0"/>
+          <a:chExt cx="0" cy="0"/>
+        </a:xfrm>
+      </p:grpSpPr>
+      <p:sp>
+        <p:nvSpPr>
+          <p:cNvPr id="2" name="Title 1"/>
+          <p:cNvSpPr>
+            <a:spLocks noGrp="1"/>
+          </p:cNvSpPr>
+          <p:nvPr>
+            <p:ph type="title"/>
+          </p:nvPr>
+        </p:nvSpPr>
+        <p:spPr/>
+        <p:txBody>
+          <a:bodyPr/>
+          <a:lstStyle/>
+          <a:p>
+            <a:r>
+              <a:rPr lang="en-US" dirty="0" err="1" smtClean="0"/>
+              <a:t>Minkoswki</a:t>
+            </a:r>
+            <a:r>
+              <a:rPr lang="en-US" dirty="0" smtClean="0"/>
+              <a:t>  -- general – p variable</a:t>
+            </a:r>
+            <a:endParaRPr lang="en-US" dirty="0"/>
+          </a:p>
+        </p:txBody>
+      </p:sp>
+      <p:sp>
+        <p:nvSpPr>
+          <p:cNvPr id="3" name="Content Placeholder 2"/>
+          <p:cNvSpPr>
+            <a:spLocks noGrp="1"/>
+          </p:cNvSpPr>
+          <p:nvPr>
+            <p:ph idx="1"/>
+          </p:nvPr>
+        </p:nvSpPr>
+        <p:spPr/>
+        <p:txBody>
+          <a:bodyPr/>
+          <a:lstStyle/>
+          <a:p>
+            <a:endParaRPr lang="en-US" i="1" dirty="0" smtClean="0"/>
+          </a:p>
+          <a:p>
+            <a:endParaRPr lang="en-US" i="1" dirty="0"/>
+          </a:p>
+          <a:p>
+            <a:endParaRPr lang="en-US" i="1" dirty="0" smtClean="0"/>
+          </a:p>
+          <a:p>
+            <a:endParaRPr lang="en-US" i="1" dirty="0"/>
+          </a:p>
+          <a:p>
+            <a:r>
+              <a:rPr lang="en-US" i="1" dirty="0" smtClean="0"/>
+              <a:t>p </a:t>
+            </a:r>
+            <a:r>
+              <a:rPr lang="en-US" i="1" dirty="0"/>
+              <a:t>= 1, Manhattan Distance</a:t>
+            </a:r>
+          </a:p>
+          <a:p>
+            <a:r>
+              <a:rPr lang="en-US" i="1" dirty="0"/>
+              <a:t>p = 2, Euclidean Distance</a:t>
+            </a:r>
+          </a:p>
+          <a:p>
+            <a:r>
+              <a:rPr lang="en-US" i="1" dirty="0"/>
+              <a:t>p = ∞, </a:t>
+            </a:r>
+            <a:r>
+              <a:rPr lang="en-US" i="1" dirty="0" err="1"/>
+              <a:t>Chebychev</a:t>
+            </a:r>
+            <a:r>
+              <a:rPr lang="en-US" i="1" dirty="0"/>
+              <a:t> Distance</a:t>
+            </a:r>
+          </a:p>
+          <a:p>
+            <a:endParaRPr lang="en-US" dirty="0"/>
+          </a:p>
+        </p:txBody>
+      </p:sp>
+      <p:pic>
+        <p:nvPicPr>
+          <p:cNvPr id="5" name="Picture 4"/>
+          <p:cNvPicPr>
+            <a:picLocks noChangeAspect="1"/>
+          </p:cNvPicPr>
+          <p:nvPr/>
+        </p:nvPicPr>
+        <p:blipFill>
+          <a:blip r:embed="rId3"/>
+          <a:stretch>
+            <a:fillRect/>
+          </a:stretch>
+        </p:blipFill>
+        <p:spPr>
+          <a:xfrm>
+            <a:off x="838200" y="1825625"/>
+            <a:ext cx="5038725" cy="1600200"/>
+          </a:xfrm>
+          <a:prstGeom prst="rect">
+            <a:avLst/>
+          </a:prstGeom>
+        </p:spPr>
+      </p:pic>
+    </p:spTree>
+    <p:extLst>
+      <p:ext uri="{BB962C8B-B14F-4D97-AF65-F5344CB8AC3E}">
+        <p14:creationId xmlns:p14="http://schemas.microsoft.com/office/powerpoint/2010/main" val="3558071171"/>
       </p:ext>
     </p:extLst>
   </p:cSld>
@@ -4739,4 +6374,265 @@
     </a:ext>
   </a:extLst>
 </a:theme>
+</file>
+
+<file path=ppt/theme/theme2.xml><?xml version="1.0" encoding="utf-8"?>
+<a:theme xmlns:a="http://schemas.openxmlformats.org/drawingml/2006/main" name="Office Theme">
+  <a:themeElements>
+    <a:clrScheme name="Office">
+      <a:dk1>
+        <a:sysClr val="windowText" lastClr="000000"/>
+      </a:dk1>
+      <a:lt1>
+        <a:sysClr val="window" lastClr="FFFFFF"/>
+      </a:lt1>
+      <a:dk2>
+        <a:srgbClr val="44546A"/>
+      </a:dk2>
+      <a:lt2>
+        <a:srgbClr val="E7E6E6"/>
+      </a:lt2>
+      <a:accent1>
+        <a:srgbClr val="5B9BD5"/>
+      </a:accent1>
+      <a:accent2>
+        <a:srgbClr val="ED7D31"/>
+      </a:accent2>
+      <a:accent3>
+        <a:srgbClr val="A5A5A5"/>
+      </a:accent3>
+      <a:accent4>
+        <a:srgbClr val="FFC000"/>
+      </a:accent4>
+      <a:accent5>
+        <a:srgbClr val="4472C4"/>
+      </a:accent5>
+      <a:accent6>
+        <a:srgbClr val="70AD47"/>
+      </a:accent6>
+      <a:hlink>
+        <a:srgbClr val="0563C1"/>
+      </a:hlink>
+      <a:folHlink>
+        <a:srgbClr val="954F72"/>
+      </a:folHlink>
+    </a:clrScheme>
+    <a:fontScheme name="Office">
+      <a:majorFont>
+        <a:latin typeface="Calibri Light" panose="020F0302020204030204"/>
+        <a:ea typeface=""/>
+        <a:cs typeface=""/>
+        <a:font script="Jpan" typeface="ＭＳ Ｐゴシック"/>
+        <a:font script="Hang" typeface="맑은 고딕"/>
+        <a:font script="Hans" typeface="宋体"/>
+        <a:font script="Hant" typeface="新細明體"/>
+        <a:font script="Arab" typeface="Times New Roman"/>
+        <a:font script="Hebr" typeface="Times New Roman"/>
+        <a:font script="Thai" typeface="Angsana New"/>
+        <a:font script="Ethi" typeface="Nyala"/>
+        <a:font script="Beng" typeface="Vrinda"/>
+        <a:font script="Gujr" typeface="Shruti"/>
+        <a:font script="Khmr" typeface="MoolBoran"/>
+        <a:font script="Knda" typeface="Tunga"/>
+        <a:font script="Guru" typeface="Raavi"/>
+        <a:font script="Cans" typeface="Euphemia"/>
+        <a:font script="Cher" typeface="Plantagenet Cherokee"/>
+        <a:font script="Yiii" typeface="Microsoft Yi Baiti"/>
+        <a:font script="Tibt" typeface="Microsoft Himalaya"/>
+        <a:font script="Thaa" typeface="MV Boli"/>
+        <a:font script="Deva" typeface="Mangal"/>
+        <a:font script="Telu" typeface="Gautami"/>
+        <a:font script="Taml" typeface="Latha"/>
+        <a:font script="Syrc" typeface="Estrangelo Edessa"/>
+        <a:font script="Orya" typeface="Kalinga"/>
+        <a:font script="Mlym" typeface="Kartika"/>
+        <a:font script="Laoo" typeface="DokChampa"/>
+        <a:font script="Sinh" typeface="Iskoola Pota"/>
+        <a:font script="Mong" typeface="Mongolian Baiti"/>
+        <a:font script="Viet" typeface="Times New Roman"/>
+        <a:font script="Uigh" typeface="Microsoft Uighur"/>
+        <a:font script="Geor" typeface="Sylfaen"/>
+      </a:majorFont>
+      <a:minorFont>
+        <a:latin typeface="Calibri" panose="020F0502020204030204"/>
+        <a:ea typeface=""/>
+        <a:cs typeface=""/>
+        <a:font script="Jpan" typeface="ＭＳ Ｐゴシック"/>
+        <a:font script="Hang" typeface="맑은 고딕"/>
+        <a:font script="Hans" typeface="宋体"/>
+        <a:font script="Hant" typeface="新細明體"/>
+        <a:font script="Arab" typeface="Arial"/>
+        <a:font script="Hebr" typeface="Arial"/>
+        <a:font script="Thai" typeface="Cordia New"/>
+        <a:font script="Ethi" typeface="Nyala"/>
+        <a:font script="Beng" typeface="Vrinda"/>
+        <a:font script="Gujr" typeface="Shruti"/>
+        <a:font script="Khmr" typeface="DaunPenh"/>
+        <a:font script="Knda" typeface="Tunga"/>
+        <a:font script="Guru" typeface="Raavi"/>
+        <a:font script="Cans" typeface="Euphemia"/>
+        <a:font script="Cher" typeface="Plantagenet Cherokee"/>
+        <a:font script="Yiii" typeface="Microsoft Yi Baiti"/>
+        <a:font script="Tibt" typeface="Microsoft Himalaya"/>
+        <a:font script="Thaa" typeface="MV Boli"/>
+        <a:font script="Deva" typeface="Mangal"/>
+        <a:font script="Telu" typeface="Gautami"/>
+        <a:font script="Taml" typeface="Latha"/>
+        <a:font script="Syrc" typeface="Estrangelo Edessa"/>
+        <a:font script="Orya" typeface="Kalinga"/>
+        <a:font script="Mlym" typeface="Kartika"/>
+        <a:font script="Laoo" typeface="DokChampa"/>
+        <a:font script="Sinh" typeface="Iskoola Pota"/>
+        <a:font script="Mong" typeface="Mongolian Baiti"/>
+        <a:font script="Viet" typeface="Arial"/>
+        <a:font script="Uigh" typeface="Microsoft Uighur"/>
+        <a:font script="Geor" typeface="Sylfaen"/>
+      </a:minorFont>
+    </a:fontScheme>
+    <a:fmtScheme name="Office">
+      <a:fillStyleLst>
+        <a:solidFill>
+          <a:schemeClr val="phClr"/>
+        </a:solidFill>
+        <a:gradFill rotWithShape="1">
+          <a:gsLst>
+            <a:gs pos="0">
+              <a:schemeClr val="phClr">
+                <a:lumMod val="110000"/>
+                <a:satMod val="105000"/>
+                <a:tint val="67000"/>
+              </a:schemeClr>
+            </a:gs>
+            <a:gs pos="50000">
+              <a:schemeClr val="phClr">
+                <a:lumMod val="105000"/>
+                <a:satMod val="103000"/>
+                <a:tint val="73000"/>
+              </a:schemeClr>
+            </a:gs>
+            <a:gs pos="100000">
+              <a:schemeClr val="phClr">
+                <a:lumMod val="105000"/>
+                <a:satMod val="109000"/>
+                <a:tint val="81000"/>
+              </a:schemeClr>
+            </a:gs>
+          </a:gsLst>
+          <a:lin ang="5400000" scaled="0"/>
+        </a:gradFill>
+        <a:gradFill rotWithShape="1">
+          <a:gsLst>
+            <a:gs pos="0">
+              <a:schemeClr val="phClr">
+                <a:satMod val="103000"/>
+                <a:lumMod val="102000"/>
+                <a:tint val="94000"/>
+              </a:schemeClr>
+            </a:gs>
+            <a:gs pos="50000">
+              <a:schemeClr val="phClr">
+                <a:satMod val="110000"/>
+                <a:lumMod val="100000"/>
+                <a:shade val="100000"/>
+              </a:schemeClr>
+            </a:gs>
+            <a:gs pos="100000">
+              <a:schemeClr val="phClr">
+                <a:lumMod val="99000"/>
+                <a:satMod val="120000"/>
+                <a:shade val="78000"/>
+              </a:schemeClr>
+            </a:gs>
+          </a:gsLst>
+          <a:lin ang="5400000" scaled="0"/>
+        </a:gradFill>
+      </a:fillStyleLst>
+      <a:lnStyleLst>
+        <a:ln w="6350" cap="flat" cmpd="sng" algn="ctr">
+          <a:solidFill>
+            <a:schemeClr val="phClr"/>
+          </a:solidFill>
+          <a:prstDash val="solid"/>
+          <a:miter lim="800000"/>
+        </a:ln>
+        <a:ln w="12700" cap="flat" cmpd="sng" algn="ctr">
+          <a:solidFill>
+            <a:schemeClr val="phClr"/>
+          </a:solidFill>
+          <a:prstDash val="solid"/>
+          <a:miter lim="800000"/>
+        </a:ln>
+        <a:ln w="19050" cap="flat" cmpd="sng" algn="ctr">
+          <a:solidFill>
+            <a:schemeClr val="phClr"/>
+          </a:solidFill>
+          <a:prstDash val="solid"/>
+          <a:miter lim="800000"/>
+        </a:ln>
+      </a:lnStyleLst>
+      <a:effectStyleLst>
+        <a:effectStyle>
+          <a:effectLst/>
+        </a:effectStyle>
+        <a:effectStyle>
+          <a:effectLst/>
+        </a:effectStyle>
+        <a:effectStyle>
+          <a:effectLst>
+            <a:outerShdw blurRad="57150" dist="19050" dir="5400000" algn="ctr" rotWithShape="0">
+              <a:srgbClr val="000000">
+                <a:alpha val="63000"/>
+              </a:srgbClr>
+            </a:outerShdw>
+          </a:effectLst>
+        </a:effectStyle>
+      </a:effectStyleLst>
+      <a:bgFillStyleLst>
+        <a:solidFill>
+          <a:schemeClr val="phClr"/>
+        </a:solidFill>
+        <a:solidFill>
+          <a:schemeClr val="phClr">
+            <a:tint val="95000"/>
+            <a:satMod val="170000"/>
+          </a:schemeClr>
+        </a:solidFill>
+        <a:gradFill rotWithShape="1">
+          <a:gsLst>
+            <a:gs pos="0">
+              <a:schemeClr val="phClr">
+                <a:tint val="93000"/>
+                <a:satMod val="150000"/>
+                <a:shade val="98000"/>
+                <a:lumMod val="102000"/>
+              </a:schemeClr>
+            </a:gs>
+            <a:gs pos="50000">
+              <a:schemeClr val="phClr">
+                <a:tint val="98000"/>
+                <a:satMod val="130000"/>
+                <a:shade val="90000"/>
+                <a:lumMod val="103000"/>
+              </a:schemeClr>
+            </a:gs>
+            <a:gs pos="100000">
+              <a:schemeClr val="phClr">
+                <a:shade val="63000"/>
+                <a:satMod val="120000"/>
+              </a:schemeClr>
+            </a:gs>
+          </a:gsLst>
+          <a:lin ang="5400000" scaled="0"/>
+        </a:gradFill>
+      </a:bgFillStyleLst>
+    </a:fmtScheme>
+  </a:themeElements>
+  <a:objectDefaults/>
+  <a:extraClrSchemeLst/>
+  <a:extLst>
+    <a:ext uri="{05A4C25C-085E-4340-85A3-A5531E510DB2}">
+      <thm15:themeFamily xmlns:thm15="http://schemas.microsoft.com/office/thememl/2012/main" name="Office Theme" id="{62F939B6-93AF-4DB8-9C6B-D6C7DFDC589F}" vid="{4A3C46E8-61CC-4603-A589-7422A47A8E4A}"/>
+    </a:ext>
+  </a:extLst>
+</a:theme>
 </file>